--- a/RO retinal gene heatmap.pptx
+++ b/RO retinal gene heatmap.pptx
@@ -7,6 +7,7 @@
   <p:sldIdLst>
     <p:sldId id="256" r:id="rId2"/>
     <p:sldId id="257" r:id="rId3"/>
+    <p:sldId id="258" r:id="rId4"/>
   </p:sldIdLst>
   <p:sldSz cx="12192000" cy="6858000"/>
   <p:notesSz cx="6858000" cy="9144000"/>
@@ -105,6 +106,11 @@
       </a:defRPr>
     </a:lvl9pPr>
   </p:defaultTextStyle>
+  <p:extLst>
+    <p:ext uri="{EFAFB233-063F-42B5-8137-9DF3F51BA10A}">
+      <p15:sldGuideLst xmlns:p15="http://schemas.microsoft.com/office/powerpoint/2012/main"/>
+    </p:ext>
+  </p:extLst>
 </p:presentation>
 </file>
 
@@ -255,7 +261,7 @@
           <a:p>
             <a:fld id="{DD6B045F-121F-2142-86B6-83866A4C19C2}" type="datetimeFigureOut">
               <a:rPr lang="en-US" smtClean="0"/>
-              <a:t>2/11/26</a:t>
+              <a:t>2/17/26</a:t>
             </a:fld>
             <a:endParaRPr lang="en-US"/>
           </a:p>
@@ -453,7 +459,7 @@
           <a:p>
             <a:fld id="{DD6B045F-121F-2142-86B6-83866A4C19C2}" type="datetimeFigureOut">
               <a:rPr lang="en-US" smtClean="0"/>
-              <a:t>2/11/26</a:t>
+              <a:t>2/17/26</a:t>
             </a:fld>
             <a:endParaRPr lang="en-US"/>
           </a:p>
@@ -661,7 +667,7 @@
           <a:p>
             <a:fld id="{DD6B045F-121F-2142-86B6-83866A4C19C2}" type="datetimeFigureOut">
               <a:rPr lang="en-US" smtClean="0"/>
-              <a:t>2/11/26</a:t>
+              <a:t>2/17/26</a:t>
             </a:fld>
             <a:endParaRPr lang="en-US"/>
           </a:p>
@@ -859,7 +865,7 @@
           <a:p>
             <a:fld id="{DD6B045F-121F-2142-86B6-83866A4C19C2}" type="datetimeFigureOut">
               <a:rPr lang="en-US" smtClean="0"/>
-              <a:t>2/11/26</a:t>
+              <a:t>2/17/26</a:t>
             </a:fld>
             <a:endParaRPr lang="en-US"/>
           </a:p>
@@ -1134,7 +1140,7 @@
           <a:p>
             <a:fld id="{DD6B045F-121F-2142-86B6-83866A4C19C2}" type="datetimeFigureOut">
               <a:rPr lang="en-US" smtClean="0"/>
-              <a:t>2/11/26</a:t>
+              <a:t>2/17/26</a:t>
             </a:fld>
             <a:endParaRPr lang="en-US"/>
           </a:p>
@@ -1399,7 +1405,7 @@
           <a:p>
             <a:fld id="{DD6B045F-121F-2142-86B6-83866A4C19C2}" type="datetimeFigureOut">
               <a:rPr lang="en-US" smtClean="0"/>
-              <a:t>2/11/26</a:t>
+              <a:t>2/17/26</a:t>
             </a:fld>
             <a:endParaRPr lang="en-US"/>
           </a:p>
@@ -1811,7 +1817,7 @@
           <a:p>
             <a:fld id="{DD6B045F-121F-2142-86B6-83866A4C19C2}" type="datetimeFigureOut">
               <a:rPr lang="en-US" smtClean="0"/>
-              <a:t>2/11/26</a:t>
+              <a:t>2/17/26</a:t>
             </a:fld>
             <a:endParaRPr lang="en-US"/>
           </a:p>
@@ -1952,7 +1958,7 @@
           <a:p>
             <a:fld id="{DD6B045F-121F-2142-86B6-83866A4C19C2}" type="datetimeFigureOut">
               <a:rPr lang="en-US" smtClean="0"/>
-              <a:t>2/11/26</a:t>
+              <a:t>2/17/26</a:t>
             </a:fld>
             <a:endParaRPr lang="en-US"/>
           </a:p>
@@ -2065,7 +2071,7 @@
           <a:p>
             <a:fld id="{DD6B045F-121F-2142-86B6-83866A4C19C2}" type="datetimeFigureOut">
               <a:rPr lang="en-US" smtClean="0"/>
-              <a:t>2/11/26</a:t>
+              <a:t>2/17/26</a:t>
             </a:fld>
             <a:endParaRPr lang="en-US"/>
           </a:p>
@@ -2376,7 +2382,7 @@
           <a:p>
             <a:fld id="{DD6B045F-121F-2142-86B6-83866A4C19C2}" type="datetimeFigureOut">
               <a:rPr lang="en-US" smtClean="0"/>
-              <a:t>2/11/26</a:t>
+              <a:t>2/17/26</a:t>
             </a:fld>
             <a:endParaRPr lang="en-US"/>
           </a:p>
@@ -2664,7 +2670,7 @@
           <a:p>
             <a:fld id="{DD6B045F-121F-2142-86B6-83866A4C19C2}" type="datetimeFigureOut">
               <a:rPr lang="en-US" smtClean="0"/>
-              <a:t>2/11/26</a:t>
+              <a:t>2/17/26</a:t>
             </a:fld>
             <a:endParaRPr lang="en-US"/>
           </a:p>
@@ -2905,7 +2911,7 @@
           <a:p>
             <a:fld id="{DD6B045F-121F-2142-86B6-83866A4C19C2}" type="datetimeFigureOut">
               <a:rPr lang="en-US" smtClean="0"/>
-              <a:t>2/11/26</a:t>
+              <a:t>2/17/26</a:t>
             </a:fld>
             <a:endParaRPr lang="en-US"/>
           </a:p>
@@ -3474,6 +3480,104 @@
     <p:extLst>
       <p:ext uri="{BB962C8B-B14F-4D97-AF65-F5344CB8AC3E}">
         <p14:creationId xmlns:p14="http://schemas.microsoft.com/office/powerpoint/2010/main" val="3534529780"/>
+      </p:ext>
+    </p:extLst>
+  </p:cSld>
+  <p:clrMapOvr>
+    <a:masterClrMapping/>
+  </p:clrMapOvr>
+</p:sld>
+</file>
+
+<file path=ppt/slides/slide3.xml><?xml version="1.0" encoding="utf-8"?>
+<p:sld xmlns:a="http://schemas.openxmlformats.org/drawingml/2006/main" xmlns:r="http://schemas.openxmlformats.org/officeDocument/2006/relationships" xmlns:p="http://schemas.openxmlformats.org/presentationml/2006/main">
+  <p:cSld>
+    <p:spTree>
+      <p:nvGrpSpPr>
+        <p:cNvPr id="1" name="">
+          <a:extLst>
+            <a:ext uri="{FF2B5EF4-FFF2-40B4-BE49-F238E27FC236}">
+              <a16:creationId xmlns:a16="http://schemas.microsoft.com/office/drawing/2014/main" id="{AB29008A-F500-86A5-6031-ADC0AB84601B}"/>
+            </a:ext>
+          </a:extLst>
+        </p:cNvPr>
+        <p:cNvGrpSpPr/>
+        <p:nvPr/>
+      </p:nvGrpSpPr>
+      <p:grpSpPr>
+        <a:xfrm>
+          <a:off x="0" y="0"/>
+          <a:ext cx="0" cy="0"/>
+          <a:chOff x="0" y="0"/>
+          <a:chExt cx="0" cy="0"/>
+        </a:xfrm>
+      </p:grpSpPr>
+      <p:sp>
+        <p:nvSpPr>
+          <p:cNvPr id="6" name="TextBox 5">
+            <a:extLst>
+              <a:ext uri="{FF2B5EF4-FFF2-40B4-BE49-F238E27FC236}">
+                <a16:creationId xmlns:a16="http://schemas.microsoft.com/office/drawing/2014/main" id="{045CA47D-0635-8D21-533A-74BAD3D5B3D4}"/>
+              </a:ext>
+            </a:extLst>
+          </p:cNvPr>
+          <p:cNvSpPr txBox="1"/>
+          <p:nvPr/>
+        </p:nvSpPr>
+        <p:spPr>
+          <a:xfrm>
+            <a:off x="10069033" y="4008474"/>
+            <a:ext cx="184731" cy="369332"/>
+          </a:xfrm>
+          <a:prstGeom prst="rect">
+            <a:avLst/>
+          </a:prstGeom>
+          <a:noFill/>
+        </p:spPr>
+        <p:txBody>
+          <a:bodyPr wrap="none" rtlCol="0">
+            <a:spAutoFit/>
+          </a:bodyPr>
+          <a:lstStyle/>
+          <a:p>
+            <a:endParaRPr lang="en-US"/>
+          </a:p>
+        </p:txBody>
+      </p:sp>
+      <p:pic>
+        <p:nvPicPr>
+          <p:cNvPr id="3" name="Picture 2" descr="A screenshot of a graph&#10;&#10;AI-generated content may be incorrect.">
+            <a:extLst>
+              <a:ext uri="{FF2B5EF4-FFF2-40B4-BE49-F238E27FC236}">
+                <a16:creationId xmlns:a16="http://schemas.microsoft.com/office/drawing/2014/main" id="{16A74C48-9112-38A6-EF23-ACE76006B1D9}"/>
+              </a:ext>
+            </a:extLst>
+          </p:cNvPr>
+          <p:cNvPicPr>
+            <a:picLocks noChangeAspect="1"/>
+          </p:cNvPicPr>
+          <p:nvPr/>
+        </p:nvPicPr>
+        <p:blipFill>
+          <a:blip r:embed="rId2"/>
+          <a:stretch>
+            <a:fillRect/>
+          </a:stretch>
+        </p:blipFill>
+        <p:spPr>
+          <a:xfrm>
+            <a:off x="3544102" y="0"/>
+            <a:ext cx="5103796" cy="6858000"/>
+          </a:xfrm>
+          <a:prstGeom prst="rect">
+            <a:avLst/>
+          </a:prstGeom>
+        </p:spPr>
+      </p:pic>
+    </p:spTree>
+    <p:extLst>
+      <p:ext uri="{BB962C8B-B14F-4D97-AF65-F5344CB8AC3E}">
+        <p14:creationId xmlns:p14="http://schemas.microsoft.com/office/powerpoint/2010/main" val="3837443870"/>
       </p:ext>
     </p:extLst>
   </p:cSld>

--- a/RO retinal gene heatmap.pptx
+++ b/RO retinal gene heatmap.pptx
@@ -8,6 +8,8 @@
     <p:sldId id="256" r:id="rId2"/>
     <p:sldId id="257" r:id="rId3"/>
     <p:sldId id="258" r:id="rId4"/>
+    <p:sldId id="259" r:id="rId5"/>
+    <p:sldId id="261" r:id="rId6"/>
   </p:sldIdLst>
   <p:sldSz cx="12192000" cy="6858000"/>
   <p:notesSz cx="6858000" cy="9144000"/>
@@ -3587,6 +3589,1247 @@
 </p:sld>
 </file>
 
+<file path=ppt/slides/slide4.xml><?xml version="1.0" encoding="utf-8"?>
+<p:sld xmlns:a="http://schemas.openxmlformats.org/drawingml/2006/main" xmlns:r="http://schemas.openxmlformats.org/officeDocument/2006/relationships" xmlns:p="http://schemas.openxmlformats.org/presentationml/2006/main">
+  <p:cSld>
+    <p:spTree>
+      <p:nvGrpSpPr>
+        <p:cNvPr id="1" name="">
+          <a:extLst>
+            <a:ext uri="{FF2B5EF4-FFF2-40B4-BE49-F238E27FC236}">
+              <a16:creationId xmlns:a16="http://schemas.microsoft.com/office/drawing/2014/main" id="{1BB4A787-421C-7DA8-ED41-3971B43E7E41}"/>
+            </a:ext>
+          </a:extLst>
+        </p:cNvPr>
+        <p:cNvGrpSpPr/>
+        <p:nvPr/>
+      </p:nvGrpSpPr>
+      <p:grpSpPr>
+        <a:xfrm>
+          <a:off x="0" y="0"/>
+          <a:ext cx="0" cy="0"/>
+          <a:chOff x="0" y="0"/>
+          <a:chExt cx="0" cy="0"/>
+        </a:xfrm>
+      </p:grpSpPr>
+      <p:sp>
+        <p:nvSpPr>
+          <p:cNvPr id="6" name="TextBox 5">
+            <a:extLst>
+              <a:ext uri="{FF2B5EF4-FFF2-40B4-BE49-F238E27FC236}">
+                <a16:creationId xmlns:a16="http://schemas.microsoft.com/office/drawing/2014/main" id="{4BB4ECD3-7774-D3EF-3499-CDDF06ACAC77}"/>
+              </a:ext>
+            </a:extLst>
+          </p:cNvPr>
+          <p:cNvSpPr txBox="1"/>
+          <p:nvPr/>
+        </p:nvSpPr>
+        <p:spPr>
+          <a:xfrm>
+            <a:off x="10069033" y="4008474"/>
+            <a:ext cx="184731" cy="369332"/>
+          </a:xfrm>
+          <a:prstGeom prst="rect">
+            <a:avLst/>
+          </a:prstGeom>
+          <a:noFill/>
+        </p:spPr>
+        <p:txBody>
+          <a:bodyPr wrap="none" rtlCol="0">
+            <a:spAutoFit/>
+          </a:bodyPr>
+          <a:lstStyle/>
+          <a:p>
+            <a:endParaRPr lang="en-US"/>
+          </a:p>
+        </p:txBody>
+      </p:sp>
+      <p:pic>
+        <p:nvPicPr>
+          <p:cNvPr id="4" name="Picture 3" descr="A close-up of a graph&#10;&#10;AI-generated content may be incorrect.">
+            <a:extLst>
+              <a:ext uri="{FF2B5EF4-FFF2-40B4-BE49-F238E27FC236}">
+                <a16:creationId xmlns:a16="http://schemas.microsoft.com/office/drawing/2014/main" id="{B5E8A96E-2475-272D-E2A6-1550760125E1}"/>
+              </a:ext>
+            </a:extLst>
+          </p:cNvPr>
+          <p:cNvPicPr>
+            <a:picLocks noChangeAspect="1"/>
+          </p:cNvPicPr>
+          <p:nvPr/>
+        </p:nvPicPr>
+        <p:blipFill>
+          <a:blip r:embed="rId2"/>
+          <a:stretch>
+            <a:fillRect/>
+          </a:stretch>
+        </p:blipFill>
+        <p:spPr>
+          <a:xfrm>
+            <a:off x="2129394" y="173255"/>
+            <a:ext cx="4457700" cy="6858000"/>
+          </a:xfrm>
+          <a:prstGeom prst="rect">
+            <a:avLst/>
+          </a:prstGeom>
+        </p:spPr>
+      </p:pic>
+      <p:pic>
+        <p:nvPicPr>
+          <p:cNvPr id="7" name="Picture 6" descr="A chart of different colors&#10;&#10;AI-generated content may be incorrect.">
+            <a:extLst>
+              <a:ext uri="{FF2B5EF4-FFF2-40B4-BE49-F238E27FC236}">
+                <a16:creationId xmlns:a16="http://schemas.microsoft.com/office/drawing/2014/main" id="{68816136-12F0-4830-153A-8324FB781E27}"/>
+              </a:ext>
+            </a:extLst>
+          </p:cNvPr>
+          <p:cNvPicPr>
+            <a:picLocks noChangeAspect="1"/>
+          </p:cNvPicPr>
+          <p:nvPr/>
+        </p:nvPicPr>
+        <p:blipFill>
+          <a:blip r:embed="rId3"/>
+          <a:stretch>
+            <a:fillRect/>
+          </a:stretch>
+        </p:blipFill>
+        <p:spPr>
+          <a:xfrm>
+            <a:off x="6604740" y="0"/>
+            <a:ext cx="3429000" cy="6858000"/>
+          </a:xfrm>
+          <a:prstGeom prst="rect">
+            <a:avLst/>
+          </a:prstGeom>
+        </p:spPr>
+      </p:pic>
+    </p:spTree>
+    <p:extLst>
+      <p:ext uri="{BB962C8B-B14F-4D97-AF65-F5344CB8AC3E}">
+        <p14:creationId xmlns:p14="http://schemas.microsoft.com/office/powerpoint/2010/main" val="3850474334"/>
+      </p:ext>
+    </p:extLst>
+  </p:cSld>
+  <p:clrMapOvr>
+    <a:masterClrMapping/>
+  </p:clrMapOvr>
+</p:sld>
+</file>
+
+<file path=ppt/slides/slide5.xml><?xml version="1.0" encoding="utf-8"?>
+<p:sld xmlns:a="http://schemas.openxmlformats.org/drawingml/2006/main" xmlns:r="http://schemas.openxmlformats.org/officeDocument/2006/relationships" xmlns:p="http://schemas.openxmlformats.org/presentationml/2006/main">
+  <p:cSld>
+    <p:spTree>
+      <p:nvGrpSpPr>
+        <p:cNvPr id="1" name=""/>
+        <p:cNvGrpSpPr/>
+        <p:nvPr/>
+      </p:nvGrpSpPr>
+      <p:grpSpPr>
+        <a:xfrm>
+          <a:off x="0" y="0"/>
+          <a:ext cx="0" cy="0"/>
+          <a:chOff x="0" y="0"/>
+          <a:chExt cx="0" cy="0"/>
+        </a:xfrm>
+      </p:grpSpPr>
+      <p:sp>
+        <p:nvSpPr>
+          <p:cNvPr id="2" name="Freeform 2"/>
+          <p:cNvSpPr/>
+          <p:nvPr/>
+        </p:nvSpPr>
+        <p:spPr>
+          <a:xfrm>
+            <a:off x="3672698" y="155351"/>
+            <a:ext cx="1827881" cy="6339163"/>
+          </a:xfrm>
+          <a:custGeom>
+            <a:avLst/>
+            <a:gdLst/>
+            <a:ahLst/>
+            <a:cxnLst/>
+            <a:rect l="l" t="t" r="r" b="b"/>
+            <a:pathLst>
+              <a:path w="2741822" h="9508744">
+                <a:moveTo>
+                  <a:pt x="0" y="0"/>
+                </a:moveTo>
+                <a:lnTo>
+                  <a:pt x="2741822" y="0"/>
+                </a:lnTo>
+                <a:lnTo>
+                  <a:pt x="2741822" y="9508744"/>
+                </a:lnTo>
+                <a:lnTo>
+                  <a:pt x="0" y="9508744"/>
+                </a:lnTo>
+                <a:lnTo>
+                  <a:pt x="0" y="0"/>
+                </a:lnTo>
+                <a:close/>
+              </a:path>
+            </a:pathLst>
+          </a:custGeom>
+          <a:blipFill>
+            <a:blip r:embed="rId2"/>
+            <a:stretch>
+              <a:fillRect l="-119640" r="-25339" b="-8675"/>
+            </a:stretch>
+          </a:blipFill>
+        </p:spPr>
+        <p:txBody>
+          <a:bodyPr/>
+          <a:lstStyle/>
+          <a:p>
+            <a:endParaRPr lang="en-US" sz="1200"/>
+          </a:p>
+        </p:txBody>
+      </p:sp>
+      <p:sp>
+        <p:nvSpPr>
+          <p:cNvPr id="3" name="Freeform 3"/>
+          <p:cNvSpPr/>
+          <p:nvPr/>
+        </p:nvSpPr>
+        <p:spPr>
+          <a:xfrm>
+            <a:off x="6809503" y="155351"/>
+            <a:ext cx="2462571" cy="6339162"/>
+          </a:xfrm>
+          <a:custGeom>
+            <a:avLst/>
+            <a:gdLst/>
+            <a:ahLst/>
+            <a:cxnLst/>
+            <a:rect l="l" t="t" r="r" b="b"/>
+            <a:pathLst>
+              <a:path w="3478155" h="9400794">
+                <a:moveTo>
+                  <a:pt x="0" y="0"/>
+                </a:moveTo>
+                <a:lnTo>
+                  <a:pt x="3478155" y="0"/>
+                </a:lnTo>
+                <a:lnTo>
+                  <a:pt x="3478155" y="9400795"/>
+                </a:lnTo>
+                <a:lnTo>
+                  <a:pt x="0" y="9400795"/>
+                </a:lnTo>
+                <a:lnTo>
+                  <a:pt x="0" y="0"/>
+                </a:lnTo>
+                <a:close/>
+              </a:path>
+            </a:pathLst>
+          </a:custGeom>
+          <a:blipFill>
+            <a:blip r:embed="rId3"/>
+            <a:stretch>
+              <a:fillRect l="-47011" b="-8783"/>
+            </a:stretch>
+          </a:blipFill>
+        </p:spPr>
+        <p:txBody>
+          <a:bodyPr/>
+          <a:lstStyle/>
+          <a:p>
+            <a:endParaRPr lang="en-US" sz="1200"/>
+          </a:p>
+        </p:txBody>
+      </p:sp>
+      <p:sp>
+        <p:nvSpPr>
+          <p:cNvPr id="4" name="TextBox 4"/>
+          <p:cNvSpPr txBox="1"/>
+          <p:nvPr/>
+        </p:nvSpPr>
+        <p:spPr>
+          <a:xfrm>
+            <a:off x="3944771" y="6456414"/>
+            <a:ext cx="976412" cy="277640"/>
+          </a:xfrm>
+          <a:prstGeom prst="rect">
+            <a:avLst/>
+          </a:prstGeom>
+        </p:spPr>
+        <p:txBody>
+          <a:bodyPr lIns="0" tIns="0" rIns="0" bIns="0" rtlCol="0" anchor="t">
+            <a:spAutoFit/>
+          </a:bodyPr>
+          <a:lstStyle/>
+          <a:p>
+            <a:pPr>
+              <a:lnSpc>
+                <a:spcPts val="2333"/>
+              </a:lnSpc>
+            </a:pPr>
+            <a:r>
+              <a:rPr lang="en-US" sz="1666" b="1" dirty="0">
+                <a:solidFill>
+                  <a:srgbClr val="000000"/>
+                </a:solidFill>
+                <a:latin typeface="Arial Bold"/>
+                <a:ea typeface="Arial Bold"/>
+                <a:cs typeface="Arial Bold"/>
+                <a:sym typeface="Arial Bold"/>
+              </a:rPr>
+              <a:t>E8          L3i</a:t>
+            </a:r>
+          </a:p>
+        </p:txBody>
+      </p:sp>
+      <p:sp>
+        <p:nvSpPr>
+          <p:cNvPr id="5" name="TextBox 5"/>
+          <p:cNvSpPr txBox="1"/>
+          <p:nvPr/>
+        </p:nvSpPr>
+        <p:spPr>
+          <a:xfrm>
+            <a:off x="7153474" y="6442122"/>
+            <a:ext cx="976412" cy="277640"/>
+          </a:xfrm>
+          <a:prstGeom prst="rect">
+            <a:avLst/>
+          </a:prstGeom>
+        </p:spPr>
+        <p:txBody>
+          <a:bodyPr lIns="0" tIns="0" rIns="0" bIns="0" rtlCol="0" anchor="t">
+            <a:spAutoFit/>
+          </a:bodyPr>
+          <a:lstStyle/>
+          <a:p>
+            <a:pPr>
+              <a:lnSpc>
+                <a:spcPts val="2333"/>
+              </a:lnSpc>
+            </a:pPr>
+            <a:r>
+              <a:rPr lang="en-US" sz="1666" b="1" dirty="0">
+                <a:solidFill>
+                  <a:srgbClr val="000000"/>
+                </a:solidFill>
+                <a:latin typeface="Arial Bold"/>
+                <a:ea typeface="Arial Bold"/>
+                <a:cs typeface="Arial Bold"/>
+                <a:sym typeface="Arial Bold"/>
+              </a:rPr>
+              <a:t>E8          L3i</a:t>
+            </a:r>
+          </a:p>
+        </p:txBody>
+      </p:sp>
+      <p:sp>
+        <p:nvSpPr>
+          <p:cNvPr id="6" name="TextBox 6"/>
+          <p:cNvSpPr txBox="1"/>
+          <p:nvPr/>
+        </p:nvSpPr>
+        <p:spPr>
+          <a:xfrm>
+            <a:off x="2675648" y="323672"/>
+            <a:ext cx="997049" cy="170175"/>
+          </a:xfrm>
+          <a:prstGeom prst="rect">
+            <a:avLst/>
+          </a:prstGeom>
+        </p:spPr>
+        <p:txBody>
+          <a:bodyPr lIns="0" tIns="0" rIns="0" bIns="0" rtlCol="0" anchor="t">
+            <a:spAutoFit/>
+          </a:bodyPr>
+          <a:lstStyle/>
+          <a:p>
+            <a:pPr algn="r">
+              <a:lnSpc>
+                <a:spcPts val="1333"/>
+              </a:lnSpc>
+            </a:pPr>
+            <a:r>
+              <a:rPr lang="en-US" sz="1333" b="1">
+                <a:solidFill>
+                  <a:srgbClr val="000000"/>
+                </a:solidFill>
+                <a:latin typeface="Arial Bold"/>
+                <a:ea typeface="Arial Bold"/>
+                <a:cs typeface="Arial Bold"/>
+                <a:sym typeface="Arial Bold"/>
+              </a:rPr>
+              <a:t>hNRSC (Liu)</a:t>
+            </a:r>
+          </a:p>
+        </p:txBody>
+      </p:sp>
+      <p:sp>
+        <p:nvSpPr>
+          <p:cNvPr id="7" name="TextBox 7"/>
+          <p:cNvSpPr txBox="1"/>
+          <p:nvPr/>
+        </p:nvSpPr>
+        <p:spPr>
+          <a:xfrm>
+            <a:off x="2675450" y="793670"/>
+            <a:ext cx="997247" cy="170175"/>
+          </a:xfrm>
+          <a:prstGeom prst="rect">
+            <a:avLst/>
+          </a:prstGeom>
+        </p:spPr>
+        <p:txBody>
+          <a:bodyPr lIns="0" tIns="0" rIns="0" bIns="0" rtlCol="0" anchor="t">
+            <a:spAutoFit/>
+          </a:bodyPr>
+          <a:lstStyle/>
+          <a:p>
+            <a:pPr algn="r">
+              <a:lnSpc>
+                <a:spcPts val="1333"/>
+              </a:lnSpc>
+            </a:pPr>
+            <a:r>
+              <a:rPr lang="en-US" sz="1333" b="1" dirty="0">
+                <a:solidFill>
+                  <a:srgbClr val="000000"/>
+                </a:solidFill>
+                <a:latin typeface="Arial Bold"/>
+                <a:ea typeface="Arial Bold"/>
+                <a:cs typeface="Arial Bold"/>
+                <a:sym typeface="Arial Bold"/>
+              </a:rPr>
+              <a:t>RPESC (Liu)</a:t>
+            </a:r>
+          </a:p>
+        </p:txBody>
+      </p:sp>
+      <p:sp>
+        <p:nvSpPr>
+          <p:cNvPr id="8" name="TextBox 8"/>
+          <p:cNvSpPr txBox="1"/>
+          <p:nvPr/>
+        </p:nvSpPr>
+        <p:spPr>
+          <a:xfrm>
+            <a:off x="2901371" y="1325753"/>
+            <a:ext cx="771327" cy="170175"/>
+          </a:xfrm>
+          <a:prstGeom prst="rect">
+            <a:avLst/>
+          </a:prstGeom>
+        </p:spPr>
+        <p:txBody>
+          <a:bodyPr lIns="0" tIns="0" rIns="0" bIns="0" rtlCol="0" anchor="t">
+            <a:spAutoFit/>
+          </a:bodyPr>
+          <a:lstStyle/>
+          <a:p>
+            <a:pPr algn="r">
+              <a:lnSpc>
+                <a:spcPts val="1333"/>
+              </a:lnSpc>
+            </a:pPr>
+            <a:r>
+              <a:rPr lang="en-US" sz="1333" b="1">
+                <a:solidFill>
+                  <a:srgbClr val="000000"/>
+                </a:solidFill>
+                <a:latin typeface="Arial Bold"/>
+                <a:ea typeface="Arial Bold"/>
+                <a:cs typeface="Arial Bold"/>
+                <a:sym typeface="Arial Bold"/>
+              </a:rPr>
+              <a:t>RPC (Liu)</a:t>
+            </a:r>
+          </a:p>
+        </p:txBody>
+      </p:sp>
+      <p:sp>
+        <p:nvSpPr>
+          <p:cNvPr id="9" name="TextBox 9"/>
+          <p:cNvSpPr txBox="1"/>
+          <p:nvPr/>
+        </p:nvSpPr>
+        <p:spPr>
+          <a:xfrm>
+            <a:off x="2853845" y="2151089"/>
+            <a:ext cx="818853" cy="336887"/>
+          </a:xfrm>
+          <a:prstGeom prst="rect">
+            <a:avLst/>
+          </a:prstGeom>
+        </p:spPr>
+        <p:txBody>
+          <a:bodyPr lIns="0" tIns="0" rIns="0" bIns="0" rtlCol="0" anchor="t">
+            <a:spAutoFit/>
+          </a:bodyPr>
+          <a:lstStyle/>
+          <a:p>
+            <a:pPr algn="r">
+              <a:lnSpc>
+                <a:spcPts val="1333"/>
+              </a:lnSpc>
+            </a:pPr>
+            <a:r>
+              <a:rPr lang="en-US" sz="1333" b="1">
+                <a:solidFill>
+                  <a:srgbClr val="000000"/>
+                </a:solidFill>
+                <a:latin typeface="Arial Bold"/>
+                <a:ea typeface="Arial Bold"/>
+                <a:cs typeface="Arial Bold"/>
+                <a:sym typeface="Arial Bold"/>
+              </a:rPr>
+              <a:t>Early RPC</a:t>
+            </a:r>
+          </a:p>
+          <a:p>
+            <a:pPr algn="r">
+              <a:lnSpc>
+                <a:spcPts val="1333"/>
+              </a:lnSpc>
+            </a:pPr>
+            <a:r>
+              <a:rPr lang="en-US" sz="1333" b="1">
+                <a:solidFill>
+                  <a:srgbClr val="000000"/>
+                </a:solidFill>
+                <a:latin typeface="Arial Bold"/>
+                <a:ea typeface="Arial Bold"/>
+                <a:cs typeface="Arial Bold"/>
+                <a:sym typeface="Arial Bold"/>
+              </a:rPr>
+              <a:t>(Dorgau)</a:t>
+            </a:r>
+          </a:p>
+        </p:txBody>
+      </p:sp>
+      <p:sp>
+        <p:nvSpPr>
+          <p:cNvPr id="10" name="TextBox 10"/>
+          <p:cNvSpPr txBox="1"/>
+          <p:nvPr/>
+        </p:nvSpPr>
+        <p:spPr>
+          <a:xfrm>
+            <a:off x="2919925" y="3448051"/>
+            <a:ext cx="752773" cy="336887"/>
+          </a:xfrm>
+          <a:prstGeom prst="rect">
+            <a:avLst/>
+          </a:prstGeom>
+        </p:spPr>
+        <p:txBody>
+          <a:bodyPr lIns="0" tIns="0" rIns="0" bIns="0" rtlCol="0" anchor="t">
+            <a:spAutoFit/>
+          </a:bodyPr>
+          <a:lstStyle/>
+          <a:p>
+            <a:pPr algn="r">
+              <a:lnSpc>
+                <a:spcPts val="1333"/>
+              </a:lnSpc>
+            </a:pPr>
+            <a:r>
+              <a:rPr lang="en-US" sz="1333" b="1">
+                <a:solidFill>
+                  <a:srgbClr val="000000"/>
+                </a:solidFill>
+                <a:latin typeface="Arial Bold"/>
+                <a:ea typeface="Arial Bold"/>
+                <a:cs typeface="Arial Bold"/>
+                <a:sym typeface="Arial Bold"/>
+              </a:rPr>
+              <a:t>Late RPC</a:t>
+            </a:r>
+          </a:p>
+          <a:p>
+            <a:pPr algn="r">
+              <a:lnSpc>
+                <a:spcPts val="1333"/>
+              </a:lnSpc>
+            </a:pPr>
+            <a:r>
+              <a:rPr lang="en-US" sz="1333" b="1">
+                <a:solidFill>
+                  <a:srgbClr val="000000"/>
+                </a:solidFill>
+                <a:latin typeface="Arial Bold"/>
+                <a:ea typeface="Arial Bold"/>
+                <a:cs typeface="Arial Bold"/>
+                <a:sym typeface="Arial Bold"/>
+              </a:rPr>
+              <a:t>(Dorgau)</a:t>
+            </a:r>
+          </a:p>
+        </p:txBody>
+      </p:sp>
+      <p:sp>
+        <p:nvSpPr>
+          <p:cNvPr id="11" name="TextBox 11"/>
+          <p:cNvSpPr txBox="1"/>
+          <p:nvPr/>
+        </p:nvSpPr>
+        <p:spPr>
+          <a:xfrm>
+            <a:off x="2270736" y="4300031"/>
+            <a:ext cx="1401961" cy="336887"/>
+          </a:xfrm>
+          <a:prstGeom prst="rect">
+            <a:avLst/>
+          </a:prstGeom>
+        </p:spPr>
+        <p:txBody>
+          <a:bodyPr lIns="0" tIns="0" rIns="0" bIns="0" rtlCol="0" anchor="t">
+            <a:spAutoFit/>
+          </a:bodyPr>
+          <a:lstStyle/>
+          <a:p>
+            <a:pPr algn="r">
+              <a:lnSpc>
+                <a:spcPts val="1333"/>
+              </a:lnSpc>
+            </a:pPr>
+            <a:r>
+              <a:rPr lang="en-US" sz="1333" b="1">
+                <a:solidFill>
+                  <a:srgbClr val="000000"/>
+                </a:solidFill>
+                <a:latin typeface="Arial Bold"/>
+                <a:ea typeface="Arial Bold"/>
+                <a:cs typeface="Arial Bold"/>
+                <a:sym typeface="Arial Bold"/>
+              </a:rPr>
+              <a:t>Proliferating RPC</a:t>
+            </a:r>
+          </a:p>
+          <a:p>
+            <a:pPr algn="r">
+              <a:lnSpc>
+                <a:spcPts val="1333"/>
+              </a:lnSpc>
+            </a:pPr>
+            <a:r>
+              <a:rPr lang="en-US" sz="1333" b="1">
+                <a:solidFill>
+                  <a:srgbClr val="000000"/>
+                </a:solidFill>
+                <a:latin typeface="Arial Bold"/>
+                <a:ea typeface="Arial Bold"/>
+                <a:cs typeface="Arial Bold"/>
+                <a:sym typeface="Arial Bold"/>
+              </a:rPr>
+              <a:t>(Dorgau)</a:t>
+            </a:r>
+          </a:p>
+        </p:txBody>
+      </p:sp>
+      <p:sp>
+        <p:nvSpPr>
+          <p:cNvPr id="12" name="TextBox 12"/>
+          <p:cNvSpPr txBox="1"/>
+          <p:nvPr/>
+        </p:nvSpPr>
+        <p:spPr>
+          <a:xfrm>
+            <a:off x="2722380" y="4805239"/>
+            <a:ext cx="950317" cy="577081"/>
+          </a:xfrm>
+          <a:prstGeom prst="rect">
+            <a:avLst/>
+          </a:prstGeom>
+        </p:spPr>
+        <p:txBody>
+          <a:bodyPr lIns="0" tIns="0" rIns="0" bIns="0" rtlCol="0" anchor="t">
+            <a:spAutoFit/>
+          </a:bodyPr>
+          <a:lstStyle/>
+          <a:p>
+            <a:pPr algn="r">
+              <a:lnSpc>
+                <a:spcPts val="1467"/>
+              </a:lnSpc>
+            </a:pPr>
+            <a:r>
+              <a:rPr lang="en-US" sz="1333" b="1">
+                <a:solidFill>
+                  <a:srgbClr val="000000"/>
+                </a:solidFill>
+                <a:latin typeface="Arial Bold"/>
+                <a:ea typeface="Arial Bold"/>
+                <a:cs typeface="Arial Bold"/>
+                <a:sym typeface="Arial Bold"/>
+              </a:rPr>
+              <a:t>Neurogenic</a:t>
+            </a:r>
+          </a:p>
+          <a:p>
+            <a:pPr algn="r">
+              <a:lnSpc>
+                <a:spcPts val="1467"/>
+              </a:lnSpc>
+            </a:pPr>
+            <a:r>
+              <a:rPr lang="en-US" sz="1333" b="1">
+                <a:solidFill>
+                  <a:srgbClr val="000000"/>
+                </a:solidFill>
+                <a:latin typeface="Arial Bold"/>
+                <a:ea typeface="Arial Bold"/>
+                <a:cs typeface="Arial Bold"/>
+                <a:sym typeface="Arial Bold"/>
+              </a:rPr>
+              <a:t>Progenitors</a:t>
+            </a:r>
+          </a:p>
+          <a:p>
+            <a:pPr algn="r">
+              <a:lnSpc>
+                <a:spcPts val="1467"/>
+              </a:lnSpc>
+            </a:pPr>
+            <a:r>
+              <a:rPr lang="en-US" sz="1333" b="1">
+                <a:solidFill>
+                  <a:srgbClr val="000000"/>
+                </a:solidFill>
+                <a:latin typeface="Arial Bold"/>
+                <a:ea typeface="Arial Bold"/>
+                <a:cs typeface="Arial Bold"/>
+                <a:sym typeface="Arial Bold"/>
+              </a:rPr>
+              <a:t>(Dorgau)</a:t>
+            </a:r>
+          </a:p>
+        </p:txBody>
+      </p:sp>
+      <p:sp>
+        <p:nvSpPr>
+          <p:cNvPr id="13" name="TextBox 13"/>
+          <p:cNvSpPr txBox="1"/>
+          <p:nvPr/>
+        </p:nvSpPr>
+        <p:spPr>
+          <a:xfrm>
+            <a:off x="2449132" y="5571473"/>
+            <a:ext cx="1223565" cy="336887"/>
+          </a:xfrm>
+          <a:prstGeom prst="rect">
+            <a:avLst/>
+          </a:prstGeom>
+        </p:spPr>
+        <p:txBody>
+          <a:bodyPr lIns="0" tIns="0" rIns="0" bIns="0" rtlCol="0" anchor="t">
+            <a:spAutoFit/>
+          </a:bodyPr>
+          <a:lstStyle/>
+          <a:p>
+            <a:pPr algn="r">
+              <a:lnSpc>
+                <a:spcPts val="1333"/>
+              </a:lnSpc>
+            </a:pPr>
+            <a:r>
+              <a:rPr lang="en-US" sz="1333" b="1">
+                <a:solidFill>
+                  <a:srgbClr val="000000"/>
+                </a:solidFill>
+                <a:latin typeface="Arial Bold"/>
+                <a:ea typeface="Arial Bold"/>
+                <a:cs typeface="Arial Bold"/>
+                <a:sym typeface="Arial Bold"/>
+              </a:rPr>
+              <a:t>PC Precursors </a:t>
+            </a:r>
+          </a:p>
+          <a:p>
+            <a:pPr algn="r">
+              <a:lnSpc>
+                <a:spcPts val="1333"/>
+              </a:lnSpc>
+            </a:pPr>
+            <a:r>
+              <a:rPr lang="en-US" sz="1333" b="1">
+                <a:solidFill>
+                  <a:srgbClr val="000000"/>
+                </a:solidFill>
+                <a:latin typeface="Arial Bold"/>
+                <a:ea typeface="Arial Bold"/>
+                <a:cs typeface="Arial Bold"/>
+                <a:sym typeface="Arial Bold"/>
+              </a:rPr>
+              <a:t>(Liu)</a:t>
+            </a:r>
+          </a:p>
+        </p:txBody>
+      </p:sp>
+      <p:sp>
+        <p:nvSpPr>
+          <p:cNvPr id="14" name="TextBox 14"/>
+          <p:cNvSpPr txBox="1"/>
+          <p:nvPr/>
+        </p:nvSpPr>
+        <p:spPr>
+          <a:xfrm>
+            <a:off x="2449132" y="6077531"/>
+            <a:ext cx="1223565" cy="336887"/>
+          </a:xfrm>
+          <a:prstGeom prst="rect">
+            <a:avLst/>
+          </a:prstGeom>
+        </p:spPr>
+        <p:txBody>
+          <a:bodyPr lIns="0" tIns="0" rIns="0" bIns="0" rtlCol="0" anchor="t">
+            <a:spAutoFit/>
+          </a:bodyPr>
+          <a:lstStyle/>
+          <a:p>
+            <a:pPr algn="r">
+              <a:lnSpc>
+                <a:spcPts val="1333"/>
+              </a:lnSpc>
+            </a:pPr>
+            <a:r>
+              <a:rPr lang="en-US" sz="1333" b="1">
+                <a:solidFill>
+                  <a:srgbClr val="000000"/>
+                </a:solidFill>
+                <a:latin typeface="Arial Bold"/>
+                <a:ea typeface="Arial Bold"/>
+                <a:cs typeface="Arial Bold"/>
+                <a:sym typeface="Arial Bold"/>
+              </a:rPr>
+              <a:t>PC Precursors </a:t>
+            </a:r>
+          </a:p>
+          <a:p>
+            <a:pPr algn="r">
+              <a:lnSpc>
+                <a:spcPts val="1333"/>
+              </a:lnSpc>
+            </a:pPr>
+            <a:r>
+              <a:rPr lang="en-US" sz="1333" b="1">
+                <a:solidFill>
+                  <a:srgbClr val="000000"/>
+                </a:solidFill>
+                <a:latin typeface="Arial Bold"/>
+                <a:ea typeface="Arial Bold"/>
+                <a:cs typeface="Arial Bold"/>
+                <a:sym typeface="Arial Bold"/>
+              </a:rPr>
+              <a:t>(Dorgau)</a:t>
+            </a:r>
+          </a:p>
+        </p:txBody>
+      </p:sp>
+      <p:sp>
+        <p:nvSpPr>
+          <p:cNvPr id="15" name="TextBox 15"/>
+          <p:cNvSpPr txBox="1"/>
+          <p:nvPr/>
+        </p:nvSpPr>
+        <p:spPr>
+          <a:xfrm>
+            <a:off x="6461246" y="548038"/>
+            <a:ext cx="348258" cy="170175"/>
+          </a:xfrm>
+          <a:prstGeom prst="rect">
+            <a:avLst/>
+          </a:prstGeom>
+        </p:spPr>
+        <p:txBody>
+          <a:bodyPr lIns="0" tIns="0" rIns="0" bIns="0" rtlCol="0" anchor="t">
+            <a:spAutoFit/>
+          </a:bodyPr>
+          <a:lstStyle/>
+          <a:p>
+            <a:pPr algn="r">
+              <a:lnSpc>
+                <a:spcPts val="1333"/>
+              </a:lnSpc>
+            </a:pPr>
+            <a:r>
+              <a:rPr lang="en-US" sz="1333" b="1">
+                <a:solidFill>
+                  <a:srgbClr val="000000"/>
+                </a:solidFill>
+                <a:latin typeface="Arial Bold"/>
+                <a:ea typeface="Arial Bold"/>
+                <a:cs typeface="Arial Bold"/>
+                <a:sym typeface="Arial Bold"/>
+              </a:rPr>
+              <a:t>RPE</a:t>
+            </a:r>
+          </a:p>
+        </p:txBody>
+      </p:sp>
+      <p:sp>
+        <p:nvSpPr>
+          <p:cNvPr id="16" name="TextBox 16"/>
+          <p:cNvSpPr txBox="1"/>
+          <p:nvPr/>
+        </p:nvSpPr>
+        <p:spPr>
+          <a:xfrm>
+            <a:off x="6433167" y="1624629"/>
+            <a:ext cx="376337" cy="170175"/>
+          </a:xfrm>
+          <a:prstGeom prst="rect">
+            <a:avLst/>
+          </a:prstGeom>
+        </p:spPr>
+        <p:txBody>
+          <a:bodyPr lIns="0" tIns="0" rIns="0" bIns="0" rtlCol="0" anchor="t">
+            <a:spAutoFit/>
+          </a:bodyPr>
+          <a:lstStyle/>
+          <a:p>
+            <a:pPr algn="r">
+              <a:lnSpc>
+                <a:spcPts val="1333"/>
+              </a:lnSpc>
+            </a:pPr>
+            <a:r>
+              <a:rPr lang="en-US" sz="1333" b="1">
+                <a:solidFill>
+                  <a:srgbClr val="000000"/>
+                </a:solidFill>
+                <a:latin typeface="Arial Bold"/>
+                <a:ea typeface="Arial Bold"/>
+                <a:cs typeface="Arial Bold"/>
+                <a:sym typeface="Arial Bold"/>
+              </a:rPr>
+              <a:t>RGC</a:t>
+            </a:r>
+          </a:p>
+        </p:txBody>
+      </p:sp>
+      <p:sp>
+        <p:nvSpPr>
+          <p:cNvPr id="17" name="TextBox 17"/>
+          <p:cNvSpPr txBox="1"/>
+          <p:nvPr/>
+        </p:nvSpPr>
+        <p:spPr>
+          <a:xfrm>
+            <a:off x="6226098" y="2605813"/>
+            <a:ext cx="583406" cy="336887"/>
+          </a:xfrm>
+          <a:prstGeom prst="rect">
+            <a:avLst/>
+          </a:prstGeom>
+        </p:spPr>
+        <p:txBody>
+          <a:bodyPr lIns="0" tIns="0" rIns="0" bIns="0" rtlCol="0" anchor="t">
+            <a:spAutoFit/>
+          </a:bodyPr>
+          <a:lstStyle/>
+          <a:p>
+            <a:pPr algn="r">
+              <a:lnSpc>
+                <a:spcPts val="1333"/>
+              </a:lnSpc>
+            </a:pPr>
+            <a:r>
+              <a:rPr lang="en-US" sz="1333" b="1">
+                <a:solidFill>
+                  <a:srgbClr val="000000"/>
+                </a:solidFill>
+                <a:latin typeface="Arial Bold"/>
+                <a:ea typeface="Arial Bold"/>
+                <a:cs typeface="Arial Bold"/>
+                <a:sym typeface="Arial Bold"/>
+              </a:rPr>
+              <a:t>Bipolar</a:t>
+            </a:r>
+          </a:p>
+          <a:p>
+            <a:pPr algn="r">
+              <a:lnSpc>
+                <a:spcPts val="1333"/>
+              </a:lnSpc>
+            </a:pPr>
+            <a:r>
+              <a:rPr lang="en-US" sz="1333" b="1">
+                <a:solidFill>
+                  <a:srgbClr val="000000"/>
+                </a:solidFill>
+                <a:latin typeface="Arial Bold"/>
+                <a:ea typeface="Arial Bold"/>
+                <a:cs typeface="Arial Bold"/>
+                <a:sym typeface="Arial Bold"/>
+              </a:rPr>
+              <a:t>Cells</a:t>
+            </a:r>
+          </a:p>
+        </p:txBody>
+      </p:sp>
+      <p:sp>
+        <p:nvSpPr>
+          <p:cNvPr id="18" name="TextBox 18"/>
+          <p:cNvSpPr txBox="1"/>
+          <p:nvPr/>
+        </p:nvSpPr>
+        <p:spPr>
+          <a:xfrm>
+            <a:off x="5981622" y="3343983"/>
+            <a:ext cx="827881" cy="336887"/>
+          </a:xfrm>
+          <a:prstGeom prst="rect">
+            <a:avLst/>
+          </a:prstGeom>
+        </p:spPr>
+        <p:txBody>
+          <a:bodyPr lIns="0" tIns="0" rIns="0" bIns="0" rtlCol="0" anchor="t">
+            <a:spAutoFit/>
+          </a:bodyPr>
+          <a:lstStyle/>
+          <a:p>
+            <a:pPr algn="r">
+              <a:lnSpc>
+                <a:spcPts val="1333"/>
+              </a:lnSpc>
+            </a:pPr>
+            <a:r>
+              <a:rPr lang="en-US" sz="1333" b="1">
+                <a:solidFill>
+                  <a:srgbClr val="000000"/>
+                </a:solidFill>
+                <a:latin typeface="Arial Bold"/>
+                <a:ea typeface="Arial Bold"/>
+                <a:cs typeface="Arial Bold"/>
+                <a:sym typeface="Arial Bold"/>
+              </a:rPr>
+              <a:t>Horizontal</a:t>
+            </a:r>
+          </a:p>
+          <a:p>
+            <a:pPr algn="r">
+              <a:lnSpc>
+                <a:spcPts val="1333"/>
+              </a:lnSpc>
+            </a:pPr>
+            <a:r>
+              <a:rPr lang="en-US" sz="1333" b="1">
+                <a:solidFill>
+                  <a:srgbClr val="000000"/>
+                </a:solidFill>
+                <a:latin typeface="Arial Bold"/>
+                <a:ea typeface="Arial Bold"/>
+                <a:cs typeface="Arial Bold"/>
+                <a:sym typeface="Arial Bold"/>
+              </a:rPr>
+              <a:t>Cells</a:t>
+            </a:r>
+          </a:p>
+        </p:txBody>
+      </p:sp>
+      <p:sp>
+        <p:nvSpPr>
+          <p:cNvPr id="19" name="TextBox 19"/>
+          <p:cNvSpPr txBox="1"/>
+          <p:nvPr/>
+        </p:nvSpPr>
+        <p:spPr>
+          <a:xfrm>
+            <a:off x="6037681" y="4009420"/>
+            <a:ext cx="771823" cy="336887"/>
+          </a:xfrm>
+          <a:prstGeom prst="rect">
+            <a:avLst/>
+          </a:prstGeom>
+        </p:spPr>
+        <p:txBody>
+          <a:bodyPr lIns="0" tIns="0" rIns="0" bIns="0" rtlCol="0" anchor="t">
+            <a:spAutoFit/>
+          </a:bodyPr>
+          <a:lstStyle/>
+          <a:p>
+            <a:pPr algn="r">
+              <a:lnSpc>
+                <a:spcPts val="1333"/>
+              </a:lnSpc>
+            </a:pPr>
+            <a:r>
+              <a:rPr lang="en-US" sz="1333" b="1">
+                <a:solidFill>
+                  <a:srgbClr val="000000"/>
+                </a:solidFill>
+                <a:latin typeface="Arial Bold"/>
+                <a:ea typeface="Arial Bold"/>
+                <a:cs typeface="Arial Bold"/>
+                <a:sym typeface="Arial Bold"/>
+              </a:rPr>
+              <a:t>Amacrine</a:t>
+            </a:r>
+          </a:p>
+          <a:p>
+            <a:pPr algn="r">
+              <a:lnSpc>
+                <a:spcPts val="1333"/>
+              </a:lnSpc>
+            </a:pPr>
+            <a:r>
+              <a:rPr lang="en-US" sz="1333" b="1">
+                <a:solidFill>
+                  <a:srgbClr val="000000"/>
+                </a:solidFill>
+                <a:latin typeface="Arial Bold"/>
+                <a:ea typeface="Arial Bold"/>
+                <a:cs typeface="Arial Bold"/>
+                <a:sym typeface="Arial Bold"/>
+              </a:rPr>
+              <a:t>Cells</a:t>
+            </a:r>
+          </a:p>
+        </p:txBody>
+      </p:sp>
+      <p:sp>
+        <p:nvSpPr>
+          <p:cNvPr id="20" name="TextBox 20"/>
+          <p:cNvSpPr txBox="1"/>
+          <p:nvPr/>
+        </p:nvSpPr>
+        <p:spPr>
+          <a:xfrm>
+            <a:off x="5558058" y="4965048"/>
+            <a:ext cx="1251446" cy="170175"/>
+          </a:xfrm>
+          <a:prstGeom prst="rect">
+            <a:avLst/>
+          </a:prstGeom>
+        </p:spPr>
+        <p:txBody>
+          <a:bodyPr lIns="0" tIns="0" rIns="0" bIns="0" rtlCol="0" anchor="t">
+            <a:spAutoFit/>
+          </a:bodyPr>
+          <a:lstStyle/>
+          <a:p>
+            <a:pPr algn="r">
+              <a:lnSpc>
+                <a:spcPts val="1333"/>
+              </a:lnSpc>
+            </a:pPr>
+            <a:r>
+              <a:rPr lang="en-US" sz="1333" b="1">
+                <a:solidFill>
+                  <a:srgbClr val="000000"/>
+                </a:solidFill>
+                <a:latin typeface="Arial Bold"/>
+                <a:ea typeface="Arial Bold"/>
+                <a:cs typeface="Arial Bold"/>
+                <a:sym typeface="Arial Bold"/>
+              </a:rPr>
+              <a:t>Photoreceptors</a:t>
+            </a:r>
+          </a:p>
+        </p:txBody>
+      </p:sp>
+      <p:sp>
+        <p:nvSpPr>
+          <p:cNvPr id="21" name="TextBox 21"/>
+          <p:cNvSpPr txBox="1"/>
+          <p:nvPr/>
+        </p:nvSpPr>
+        <p:spPr>
+          <a:xfrm>
+            <a:off x="5924969" y="5834114"/>
+            <a:ext cx="884535" cy="336887"/>
+          </a:xfrm>
+          <a:prstGeom prst="rect">
+            <a:avLst/>
+          </a:prstGeom>
+        </p:spPr>
+        <p:txBody>
+          <a:bodyPr lIns="0" tIns="0" rIns="0" bIns="0" rtlCol="0" anchor="t">
+            <a:spAutoFit/>
+          </a:bodyPr>
+          <a:lstStyle/>
+          <a:p>
+            <a:pPr algn="r">
+              <a:lnSpc>
+                <a:spcPts val="1333"/>
+              </a:lnSpc>
+            </a:pPr>
+            <a:r>
+              <a:rPr lang="en-US" sz="1333" b="1" dirty="0">
+                <a:solidFill>
+                  <a:srgbClr val="000000"/>
+                </a:solidFill>
+                <a:latin typeface="Arial Bold"/>
+                <a:ea typeface="Arial Bold"/>
+                <a:cs typeface="Arial Bold"/>
+                <a:sym typeface="Arial Bold"/>
+              </a:rPr>
+              <a:t>Muller glial</a:t>
+            </a:r>
+          </a:p>
+          <a:p>
+            <a:pPr algn="r">
+              <a:lnSpc>
+                <a:spcPts val="1333"/>
+              </a:lnSpc>
+            </a:pPr>
+            <a:r>
+              <a:rPr lang="en-US" sz="1333" b="1" dirty="0">
+                <a:solidFill>
+                  <a:srgbClr val="000000"/>
+                </a:solidFill>
+                <a:latin typeface="Arial Bold"/>
+                <a:ea typeface="Arial Bold"/>
+                <a:cs typeface="Arial Bold"/>
+                <a:sym typeface="Arial Bold"/>
+              </a:rPr>
+              <a:t>cells </a:t>
+            </a:r>
+          </a:p>
+        </p:txBody>
+      </p:sp>
+      <p:sp>
+        <p:nvSpPr>
+          <p:cNvPr id="22" name="TextBox 21">
+            <a:extLst>
+              <a:ext uri="{FF2B5EF4-FFF2-40B4-BE49-F238E27FC236}">
+                <a16:creationId xmlns:a16="http://schemas.microsoft.com/office/drawing/2014/main" id="{D9C59629-AD6E-56A1-3681-5F01D9E5D206}"/>
+              </a:ext>
+            </a:extLst>
+          </p:cNvPr>
+          <p:cNvSpPr txBox="1"/>
+          <p:nvPr/>
+        </p:nvSpPr>
+        <p:spPr>
+          <a:xfrm>
+            <a:off x="577517" y="718213"/>
+            <a:ext cx="2040454" cy="1323439"/>
+          </a:xfrm>
+          <a:prstGeom prst="rect">
+            <a:avLst/>
+          </a:prstGeom>
+          <a:noFill/>
+        </p:spPr>
+        <p:txBody>
+          <a:bodyPr wrap="square" rtlCol="0">
+            <a:spAutoFit/>
+          </a:bodyPr>
+          <a:lstStyle/>
+          <a:p>
+            <a:r>
+              <a:rPr lang="en-US" sz="4000" b="1" dirty="0"/>
+              <a:t>FINAL FIGURE</a:t>
+            </a:r>
+          </a:p>
+        </p:txBody>
+      </p:sp>
+    </p:spTree>
+  </p:cSld>
+  <p:clrMapOvr>
+    <a:masterClrMapping/>
+  </p:clrMapOvr>
+</p:sld>
+</file>
+
 <file path=ppt/theme/theme1.xml><?xml version="1.0" encoding="utf-8"?>
 <a:theme xmlns:a="http://schemas.openxmlformats.org/drawingml/2006/main" name="Office Theme">
   <a:themeElements>

--- a/RO retinal gene heatmap.pptx
+++ b/RO retinal gene heatmap.pptx
@@ -6,10 +6,15 @@
   </p:sldMasterIdLst>
   <p:sldIdLst>
     <p:sldId id="256" r:id="rId2"/>
-    <p:sldId id="257" r:id="rId3"/>
-    <p:sldId id="258" r:id="rId4"/>
-    <p:sldId id="259" r:id="rId5"/>
-    <p:sldId id="261" r:id="rId6"/>
+    <p:sldId id="261" r:id="rId3"/>
+    <p:sldId id="262" r:id="rId4"/>
+    <p:sldId id="263" r:id="rId5"/>
+    <p:sldId id="266" r:id="rId6"/>
+    <p:sldId id="264" r:id="rId7"/>
+    <p:sldId id="265" r:id="rId8"/>
+    <p:sldId id="257" r:id="rId9"/>
+    <p:sldId id="258" r:id="rId10"/>
+    <p:sldId id="259" r:id="rId11"/>
   </p:sldIdLst>
   <p:sldSz cx="12192000" cy="6858000"/>
   <p:notesSz cx="6858000" cy="9144000"/>
@@ -263,7 +268,7 @@
           <a:p>
             <a:fld id="{DD6B045F-121F-2142-86B6-83866A4C19C2}" type="datetimeFigureOut">
               <a:rPr lang="en-US" smtClean="0"/>
-              <a:t>2/17/26</a:t>
+              <a:t>2/20/26</a:t>
             </a:fld>
             <a:endParaRPr lang="en-US"/>
           </a:p>
@@ -461,7 +466,7 @@
           <a:p>
             <a:fld id="{DD6B045F-121F-2142-86B6-83866A4C19C2}" type="datetimeFigureOut">
               <a:rPr lang="en-US" smtClean="0"/>
-              <a:t>2/17/26</a:t>
+              <a:t>2/20/26</a:t>
             </a:fld>
             <a:endParaRPr lang="en-US"/>
           </a:p>
@@ -669,7 +674,7 @@
           <a:p>
             <a:fld id="{DD6B045F-121F-2142-86B6-83866A4C19C2}" type="datetimeFigureOut">
               <a:rPr lang="en-US" smtClean="0"/>
-              <a:t>2/17/26</a:t>
+              <a:t>2/20/26</a:t>
             </a:fld>
             <a:endParaRPr lang="en-US"/>
           </a:p>
@@ -867,7 +872,7 @@
           <a:p>
             <a:fld id="{DD6B045F-121F-2142-86B6-83866A4C19C2}" type="datetimeFigureOut">
               <a:rPr lang="en-US" smtClean="0"/>
-              <a:t>2/17/26</a:t>
+              <a:t>2/20/26</a:t>
             </a:fld>
             <a:endParaRPr lang="en-US"/>
           </a:p>
@@ -1142,7 +1147,7 @@
           <a:p>
             <a:fld id="{DD6B045F-121F-2142-86B6-83866A4C19C2}" type="datetimeFigureOut">
               <a:rPr lang="en-US" smtClean="0"/>
-              <a:t>2/17/26</a:t>
+              <a:t>2/20/26</a:t>
             </a:fld>
             <a:endParaRPr lang="en-US"/>
           </a:p>
@@ -1407,7 +1412,7 @@
           <a:p>
             <a:fld id="{DD6B045F-121F-2142-86B6-83866A4C19C2}" type="datetimeFigureOut">
               <a:rPr lang="en-US" smtClean="0"/>
-              <a:t>2/17/26</a:t>
+              <a:t>2/20/26</a:t>
             </a:fld>
             <a:endParaRPr lang="en-US"/>
           </a:p>
@@ -1819,7 +1824,7 @@
           <a:p>
             <a:fld id="{DD6B045F-121F-2142-86B6-83866A4C19C2}" type="datetimeFigureOut">
               <a:rPr lang="en-US" smtClean="0"/>
-              <a:t>2/17/26</a:t>
+              <a:t>2/20/26</a:t>
             </a:fld>
             <a:endParaRPr lang="en-US"/>
           </a:p>
@@ -1960,7 +1965,7 @@
           <a:p>
             <a:fld id="{DD6B045F-121F-2142-86B6-83866A4C19C2}" type="datetimeFigureOut">
               <a:rPr lang="en-US" smtClean="0"/>
-              <a:t>2/17/26</a:t>
+              <a:t>2/20/26</a:t>
             </a:fld>
             <a:endParaRPr lang="en-US"/>
           </a:p>
@@ -2073,7 +2078,7 @@
           <a:p>
             <a:fld id="{DD6B045F-121F-2142-86B6-83866A4C19C2}" type="datetimeFigureOut">
               <a:rPr lang="en-US" smtClean="0"/>
-              <a:t>2/17/26</a:t>
+              <a:t>2/20/26</a:t>
             </a:fld>
             <a:endParaRPr lang="en-US"/>
           </a:p>
@@ -2384,7 +2389,7 @@
           <a:p>
             <a:fld id="{DD6B045F-121F-2142-86B6-83866A4C19C2}" type="datetimeFigureOut">
               <a:rPr lang="en-US" smtClean="0"/>
-              <a:t>2/17/26</a:t>
+              <a:t>2/20/26</a:t>
             </a:fld>
             <a:endParaRPr lang="en-US"/>
           </a:p>
@@ -2672,7 +2677,7 @@
           <a:p>
             <a:fld id="{DD6B045F-121F-2142-86B6-83866A4C19C2}" type="datetimeFigureOut">
               <a:rPr lang="en-US" smtClean="0"/>
-              <a:t>2/17/26</a:t>
+              <a:t>2/20/26</a:t>
             </a:fld>
             <a:endParaRPr lang="en-US"/>
           </a:p>
@@ -2913,7 +2918,7 @@
           <a:p>
             <a:fld id="{DD6B045F-121F-2142-86B6-83866A4C19C2}" type="datetimeFigureOut">
               <a:rPr lang="en-US" smtClean="0"/>
-              <a:t>2/17/26</a:t>
+              <a:t>2/20/26</a:t>
             </a:fld>
             <a:endParaRPr lang="en-US"/>
           </a:p>
@@ -3399,197 +3404,7 @@
 </p:sld>
 </file>
 
-<file path=ppt/slides/slide2.xml><?xml version="1.0" encoding="utf-8"?>
-<p:sld xmlns:a="http://schemas.openxmlformats.org/drawingml/2006/main" xmlns:r="http://schemas.openxmlformats.org/officeDocument/2006/relationships" xmlns:p="http://schemas.openxmlformats.org/presentationml/2006/main">
-  <p:cSld>
-    <p:spTree>
-      <p:nvGrpSpPr>
-        <p:cNvPr id="1" name=""/>
-        <p:cNvGrpSpPr/>
-        <p:nvPr/>
-      </p:nvGrpSpPr>
-      <p:grpSpPr>
-        <a:xfrm>
-          <a:off x="0" y="0"/>
-          <a:ext cx="0" cy="0"/>
-          <a:chOff x="0" y="0"/>
-          <a:chExt cx="0" cy="0"/>
-        </a:xfrm>
-      </p:grpSpPr>
-      <p:pic>
-        <p:nvPicPr>
-          <p:cNvPr id="5" name="Picture 4" descr="A chart of different colored squares&#10;&#10;AI-generated content may be incorrect.">
-            <a:extLst>
-              <a:ext uri="{FF2B5EF4-FFF2-40B4-BE49-F238E27FC236}">
-                <a16:creationId xmlns:a16="http://schemas.microsoft.com/office/drawing/2014/main" id="{00A0E802-A69F-90F1-BB73-20C02FE479D3}"/>
-              </a:ext>
-            </a:extLst>
-          </p:cNvPr>
-          <p:cNvPicPr>
-            <a:picLocks noChangeAspect="1"/>
-          </p:cNvPicPr>
-          <p:nvPr/>
-        </p:nvPicPr>
-        <p:blipFill>
-          <a:blip r:embed="rId2"/>
-          <a:stretch>
-            <a:fillRect/>
-          </a:stretch>
-        </p:blipFill>
-        <p:spPr>
-          <a:xfrm>
-            <a:off x="3065621" y="0"/>
-            <a:ext cx="6060758" cy="6858000"/>
-          </a:xfrm>
-          <a:prstGeom prst="rect">
-            <a:avLst/>
-          </a:prstGeom>
-        </p:spPr>
-      </p:pic>
-      <p:sp>
-        <p:nvSpPr>
-          <p:cNvPr id="6" name="TextBox 5">
-            <a:extLst>
-              <a:ext uri="{FF2B5EF4-FFF2-40B4-BE49-F238E27FC236}">
-                <a16:creationId xmlns:a16="http://schemas.microsoft.com/office/drawing/2014/main" id="{5EDCC0E3-7A87-3B52-DE72-C95DC20F967A}"/>
-              </a:ext>
-            </a:extLst>
-          </p:cNvPr>
-          <p:cNvSpPr txBox="1"/>
-          <p:nvPr/>
-        </p:nvSpPr>
-        <p:spPr>
-          <a:xfrm>
-            <a:off x="10069033" y="4008474"/>
-            <a:ext cx="184731" cy="369332"/>
-          </a:xfrm>
-          <a:prstGeom prst="rect">
-            <a:avLst/>
-          </a:prstGeom>
-          <a:noFill/>
-        </p:spPr>
-        <p:txBody>
-          <a:bodyPr wrap="none" rtlCol="0">
-            <a:spAutoFit/>
-          </a:bodyPr>
-          <a:lstStyle/>
-          <a:p>
-            <a:endParaRPr lang="en-US"/>
-          </a:p>
-        </p:txBody>
-      </p:sp>
-    </p:spTree>
-    <p:extLst>
-      <p:ext uri="{BB962C8B-B14F-4D97-AF65-F5344CB8AC3E}">
-        <p14:creationId xmlns:p14="http://schemas.microsoft.com/office/powerpoint/2010/main" val="3534529780"/>
-      </p:ext>
-    </p:extLst>
-  </p:cSld>
-  <p:clrMapOvr>
-    <a:masterClrMapping/>
-  </p:clrMapOvr>
-</p:sld>
-</file>
-
-<file path=ppt/slides/slide3.xml><?xml version="1.0" encoding="utf-8"?>
-<p:sld xmlns:a="http://schemas.openxmlformats.org/drawingml/2006/main" xmlns:r="http://schemas.openxmlformats.org/officeDocument/2006/relationships" xmlns:p="http://schemas.openxmlformats.org/presentationml/2006/main">
-  <p:cSld>
-    <p:spTree>
-      <p:nvGrpSpPr>
-        <p:cNvPr id="1" name="">
-          <a:extLst>
-            <a:ext uri="{FF2B5EF4-FFF2-40B4-BE49-F238E27FC236}">
-              <a16:creationId xmlns:a16="http://schemas.microsoft.com/office/drawing/2014/main" id="{AB29008A-F500-86A5-6031-ADC0AB84601B}"/>
-            </a:ext>
-          </a:extLst>
-        </p:cNvPr>
-        <p:cNvGrpSpPr/>
-        <p:nvPr/>
-      </p:nvGrpSpPr>
-      <p:grpSpPr>
-        <a:xfrm>
-          <a:off x="0" y="0"/>
-          <a:ext cx="0" cy="0"/>
-          <a:chOff x="0" y="0"/>
-          <a:chExt cx="0" cy="0"/>
-        </a:xfrm>
-      </p:grpSpPr>
-      <p:sp>
-        <p:nvSpPr>
-          <p:cNvPr id="6" name="TextBox 5">
-            <a:extLst>
-              <a:ext uri="{FF2B5EF4-FFF2-40B4-BE49-F238E27FC236}">
-                <a16:creationId xmlns:a16="http://schemas.microsoft.com/office/drawing/2014/main" id="{045CA47D-0635-8D21-533A-74BAD3D5B3D4}"/>
-              </a:ext>
-            </a:extLst>
-          </p:cNvPr>
-          <p:cNvSpPr txBox="1"/>
-          <p:nvPr/>
-        </p:nvSpPr>
-        <p:spPr>
-          <a:xfrm>
-            <a:off x="10069033" y="4008474"/>
-            <a:ext cx="184731" cy="369332"/>
-          </a:xfrm>
-          <a:prstGeom prst="rect">
-            <a:avLst/>
-          </a:prstGeom>
-          <a:noFill/>
-        </p:spPr>
-        <p:txBody>
-          <a:bodyPr wrap="none" rtlCol="0">
-            <a:spAutoFit/>
-          </a:bodyPr>
-          <a:lstStyle/>
-          <a:p>
-            <a:endParaRPr lang="en-US"/>
-          </a:p>
-        </p:txBody>
-      </p:sp>
-      <p:pic>
-        <p:nvPicPr>
-          <p:cNvPr id="3" name="Picture 2" descr="A screenshot of a graph&#10;&#10;AI-generated content may be incorrect.">
-            <a:extLst>
-              <a:ext uri="{FF2B5EF4-FFF2-40B4-BE49-F238E27FC236}">
-                <a16:creationId xmlns:a16="http://schemas.microsoft.com/office/drawing/2014/main" id="{16A74C48-9112-38A6-EF23-ACE76006B1D9}"/>
-              </a:ext>
-            </a:extLst>
-          </p:cNvPr>
-          <p:cNvPicPr>
-            <a:picLocks noChangeAspect="1"/>
-          </p:cNvPicPr>
-          <p:nvPr/>
-        </p:nvPicPr>
-        <p:blipFill>
-          <a:blip r:embed="rId2"/>
-          <a:stretch>
-            <a:fillRect/>
-          </a:stretch>
-        </p:blipFill>
-        <p:spPr>
-          <a:xfrm>
-            <a:off x="3544102" y="0"/>
-            <a:ext cx="5103796" cy="6858000"/>
-          </a:xfrm>
-          <a:prstGeom prst="rect">
-            <a:avLst/>
-          </a:prstGeom>
-        </p:spPr>
-      </p:pic>
-    </p:spTree>
-    <p:extLst>
-      <p:ext uri="{BB962C8B-B14F-4D97-AF65-F5344CB8AC3E}">
-        <p14:creationId xmlns:p14="http://schemas.microsoft.com/office/powerpoint/2010/main" val="3837443870"/>
-      </p:ext>
-    </p:extLst>
-  </p:cSld>
-  <p:clrMapOvr>
-    <a:masterClrMapping/>
-  </p:clrMapOvr>
-</p:sld>
-</file>
-
-<file path=ppt/slides/slide4.xml><?xml version="1.0" encoding="utf-8"?>
+<file path=ppt/slides/slide10.xml><?xml version="1.0" encoding="utf-8"?>
 <p:sld xmlns:a="http://schemas.openxmlformats.org/drawingml/2006/main" xmlns:r="http://schemas.openxmlformats.org/officeDocument/2006/relationships" xmlns:p="http://schemas.openxmlformats.org/presentationml/2006/main">
   <p:cSld>
     <p:spTree>
@@ -3666,7 +3481,7 @@
         </p:blipFill>
         <p:spPr>
           <a:xfrm>
-            <a:off x="2129394" y="173255"/>
+            <a:off x="2147040" y="0"/>
             <a:ext cx="4457700" cy="6858000"/>
           </a:xfrm>
           <a:prstGeom prst="rect">
@@ -3707,7 +3522,7 @@
     </p:spTree>
     <p:extLst>
       <p:ext uri="{BB962C8B-B14F-4D97-AF65-F5344CB8AC3E}">
-        <p14:creationId xmlns:p14="http://schemas.microsoft.com/office/powerpoint/2010/main" val="3850474334"/>
+        <p14:creationId xmlns:p14="http://schemas.microsoft.com/office/powerpoint/2010/main" val="4081970890"/>
       </p:ext>
     </p:extLst>
   </p:cSld>
@@ -3717,7 +3532,7 @@
 </p:sld>
 </file>
 
-<file path=ppt/slides/slide5.xml><?xml version="1.0" encoding="utf-8"?>
+<file path=ppt/slides/slide2.xml><?xml version="1.0" encoding="utf-8"?>
 <p:sld xmlns:a="http://schemas.openxmlformats.org/drawingml/2006/main" xmlns:r="http://schemas.openxmlformats.org/officeDocument/2006/relationships" xmlns:p="http://schemas.openxmlformats.org/presentationml/2006/main">
   <p:cSld>
     <p:spTree>
@@ -3742,7 +3557,7 @@
         </p:nvSpPr>
         <p:spPr>
           <a:xfrm>
-            <a:off x="3672698" y="155351"/>
+            <a:off x="3204866" y="259419"/>
             <a:ext cx="1827881" cy="6339163"/>
           </a:xfrm>
           <a:custGeom>
@@ -3795,8 +3610,8 @@
         </p:nvSpPr>
         <p:spPr>
           <a:xfrm>
-            <a:off x="6809503" y="155351"/>
-            <a:ext cx="2462571" cy="6339162"/>
+            <a:off x="6341672" y="259419"/>
+            <a:ext cx="2124996" cy="6339162"/>
           </a:xfrm>
           <a:custGeom>
             <a:avLst/>
@@ -3836,7 +3651,10 @@
           <a:bodyPr/>
           <a:lstStyle/>
           <a:p>
-            <a:endParaRPr lang="en-US" sz="1200"/>
+            <a:r>
+              <a:rPr lang="en-US" sz="1200"/>
+              <a:t>  </a:t>
+            </a:r>
           </a:p>
         </p:txBody>
       </p:sp>
@@ -3848,15 +3666,15 @@
         </p:nvSpPr>
         <p:spPr>
           <a:xfrm>
-            <a:off x="3944771" y="6456414"/>
-            <a:ext cx="976412" cy="277640"/>
+            <a:off x="3261537" y="6598581"/>
+            <a:ext cx="1771210" cy="269817"/>
           </a:xfrm>
           <a:prstGeom prst="rect">
             <a:avLst/>
           </a:prstGeom>
         </p:spPr>
         <p:txBody>
-          <a:bodyPr lIns="0" tIns="0" rIns="0" bIns="0" rtlCol="0" anchor="t">
+          <a:bodyPr wrap="square" lIns="0" tIns="0" rIns="0" bIns="0" rtlCol="0" anchor="t">
             <a:spAutoFit/>
           </a:bodyPr>
           <a:lstStyle/>
@@ -3889,15 +3707,15 @@
         </p:nvSpPr>
         <p:spPr>
           <a:xfrm>
-            <a:off x="7153474" y="6442122"/>
-            <a:ext cx="976412" cy="277640"/>
+            <a:off x="6494256" y="6590758"/>
+            <a:ext cx="1575856" cy="277640"/>
           </a:xfrm>
           <a:prstGeom prst="rect">
             <a:avLst/>
           </a:prstGeom>
         </p:spPr>
         <p:txBody>
-          <a:bodyPr lIns="0" tIns="0" rIns="0" bIns="0" rtlCol="0" anchor="t">
+          <a:bodyPr wrap="square" lIns="0" tIns="0" rIns="0" bIns="0" rtlCol="0" anchor="t">
             <a:spAutoFit/>
           </a:bodyPr>
           <a:lstStyle/>
@@ -3930,7 +3748,7 @@
         </p:nvSpPr>
         <p:spPr>
           <a:xfrm>
-            <a:off x="2675648" y="323672"/>
+            <a:off x="2207816" y="427740"/>
             <a:ext cx="997049" cy="170175"/>
           </a:xfrm>
           <a:prstGeom prst="rect">
@@ -3971,7 +3789,7 @@
         </p:nvSpPr>
         <p:spPr>
           <a:xfrm>
-            <a:off x="2675450" y="793670"/>
+            <a:off x="2207618" y="897738"/>
             <a:ext cx="997247" cy="170175"/>
           </a:xfrm>
           <a:prstGeom prst="rect">
@@ -4012,7 +3830,7 @@
         </p:nvSpPr>
         <p:spPr>
           <a:xfrm>
-            <a:off x="2901371" y="1325753"/>
+            <a:off x="2433539" y="1429821"/>
             <a:ext cx="771327" cy="170175"/>
           </a:xfrm>
           <a:prstGeom prst="rect">
@@ -4053,7 +3871,7 @@
         </p:nvSpPr>
         <p:spPr>
           <a:xfrm>
-            <a:off x="2853845" y="2151089"/>
+            <a:off x="2386013" y="2255157"/>
             <a:ext cx="818853" cy="336887"/>
           </a:xfrm>
           <a:prstGeom prst="rect">
@@ -4113,7 +3931,7 @@
         </p:nvSpPr>
         <p:spPr>
           <a:xfrm>
-            <a:off x="2919925" y="3448051"/>
+            <a:off x="2452093" y="3552119"/>
             <a:ext cx="752773" cy="336887"/>
           </a:xfrm>
           <a:prstGeom prst="rect">
@@ -4173,8 +3991,195 @@
         </p:nvSpPr>
         <p:spPr>
           <a:xfrm>
-            <a:off x="2270736" y="4300031"/>
+            <a:off x="1802904" y="4404099"/>
             <a:ext cx="1401961" cy="336887"/>
+          </a:xfrm>
+          <a:prstGeom prst="rect">
+            <a:avLst/>
+          </a:prstGeom>
+        </p:spPr>
+        <p:txBody>
+          <a:bodyPr lIns="0" tIns="0" rIns="0" bIns="0" rtlCol="0" anchor="t">
+            <a:spAutoFit/>
+          </a:bodyPr>
+          <a:lstStyle/>
+          <a:p>
+            <a:pPr algn="r">
+              <a:lnSpc>
+                <a:spcPts val="1333"/>
+              </a:lnSpc>
+            </a:pPr>
+            <a:r>
+              <a:rPr lang="en-US" sz="1333" b="1" dirty="0">
+                <a:solidFill>
+                  <a:srgbClr val="000000"/>
+                </a:solidFill>
+                <a:latin typeface="Arial Bold"/>
+                <a:ea typeface="Arial Bold"/>
+                <a:cs typeface="Arial Bold"/>
+                <a:sym typeface="Arial Bold"/>
+              </a:rPr>
+              <a:t>Proliferating RPC</a:t>
+            </a:r>
+          </a:p>
+          <a:p>
+            <a:pPr algn="r">
+              <a:lnSpc>
+                <a:spcPts val="1333"/>
+              </a:lnSpc>
+            </a:pPr>
+            <a:r>
+              <a:rPr lang="en-US" sz="1333" b="1" dirty="0">
+                <a:solidFill>
+                  <a:srgbClr val="000000"/>
+                </a:solidFill>
+                <a:latin typeface="Arial Bold"/>
+                <a:ea typeface="Arial Bold"/>
+                <a:cs typeface="Arial Bold"/>
+                <a:sym typeface="Arial Bold"/>
+              </a:rPr>
+              <a:t>(</a:t>
+            </a:r>
+            <a:r>
+              <a:rPr lang="en-US" sz="1333" b="1" dirty="0" err="1">
+                <a:solidFill>
+                  <a:srgbClr val="000000"/>
+                </a:solidFill>
+                <a:latin typeface="Arial Bold"/>
+                <a:ea typeface="Arial Bold"/>
+                <a:cs typeface="Arial Bold"/>
+                <a:sym typeface="Arial Bold"/>
+              </a:rPr>
+              <a:t>Dorgau</a:t>
+            </a:r>
+            <a:r>
+              <a:rPr lang="en-US" sz="1333" b="1" dirty="0">
+                <a:solidFill>
+                  <a:srgbClr val="000000"/>
+                </a:solidFill>
+                <a:latin typeface="Arial Bold"/>
+                <a:ea typeface="Arial Bold"/>
+                <a:cs typeface="Arial Bold"/>
+                <a:sym typeface="Arial Bold"/>
+              </a:rPr>
+              <a:t>)</a:t>
+            </a:r>
+          </a:p>
+        </p:txBody>
+      </p:sp>
+      <p:sp>
+        <p:nvSpPr>
+          <p:cNvPr id="12" name="TextBox 12"/>
+          <p:cNvSpPr txBox="1"/>
+          <p:nvPr/>
+        </p:nvSpPr>
+        <p:spPr>
+          <a:xfrm>
+            <a:off x="2150140" y="4909307"/>
+            <a:ext cx="1054726" cy="577081"/>
+          </a:xfrm>
+          <a:prstGeom prst="rect">
+            <a:avLst/>
+          </a:prstGeom>
+        </p:spPr>
+        <p:txBody>
+          <a:bodyPr wrap="square" lIns="0" tIns="0" rIns="0" bIns="0" rtlCol="0" anchor="t">
+            <a:spAutoFit/>
+          </a:bodyPr>
+          <a:lstStyle/>
+          <a:p>
+            <a:pPr algn="r">
+              <a:lnSpc>
+                <a:spcPts val="1467"/>
+              </a:lnSpc>
+            </a:pPr>
+            <a:r>
+              <a:rPr lang="en-US" sz="1333" b="1" dirty="0">
+                <a:solidFill>
+                  <a:srgbClr val="000000"/>
+                </a:solidFill>
+                <a:latin typeface="Arial Bold"/>
+                <a:ea typeface="Arial Bold"/>
+                <a:cs typeface="Arial Bold"/>
+                <a:sym typeface="Arial Bold"/>
+              </a:rPr>
+              <a:t>Neurogenic</a:t>
+            </a:r>
+          </a:p>
+          <a:p>
+            <a:pPr algn="r">
+              <a:lnSpc>
+                <a:spcPts val="1467"/>
+              </a:lnSpc>
+            </a:pPr>
+            <a:r>
+              <a:rPr lang="en-US" sz="1333" b="1" dirty="0">
+                <a:solidFill>
+                  <a:srgbClr val="000000"/>
+                </a:solidFill>
+                <a:latin typeface="Arial Bold"/>
+                <a:ea typeface="Arial Bold"/>
+                <a:cs typeface="Arial Bold"/>
+                <a:sym typeface="Arial Bold"/>
+              </a:rPr>
+              <a:t>Progenitors</a:t>
+            </a:r>
+          </a:p>
+          <a:p>
+            <a:pPr algn="r">
+              <a:lnSpc>
+                <a:spcPts val="1467"/>
+              </a:lnSpc>
+            </a:pPr>
+            <a:r>
+              <a:rPr lang="en-US" sz="1333" b="1" dirty="0">
+                <a:solidFill>
+                  <a:srgbClr val="000000"/>
+                </a:solidFill>
+                <a:latin typeface="Arial Bold"/>
+                <a:ea typeface="Arial Bold"/>
+                <a:cs typeface="Arial Bold"/>
+                <a:sym typeface="Arial Bold"/>
+              </a:rPr>
+              <a:t>(</a:t>
+            </a:r>
+            <a:r>
+              <a:rPr lang="en-US" sz="1333" b="1" dirty="0" err="1">
+                <a:solidFill>
+                  <a:srgbClr val="000000"/>
+                </a:solidFill>
+                <a:latin typeface="Arial Bold"/>
+                <a:ea typeface="Arial Bold"/>
+                <a:cs typeface="Arial Bold"/>
+                <a:sym typeface="Arial Bold"/>
+              </a:rPr>
+              <a:t>Dorgau</a:t>
+            </a:r>
+            <a:r>
+              <a:rPr lang="en-US" sz="1333" b="1" dirty="0">
+                <a:solidFill>
+                  <a:srgbClr val="000000"/>
+                </a:solidFill>
+                <a:latin typeface="Arial Bold"/>
+                <a:ea typeface="Arial Bold"/>
+                <a:cs typeface="Arial Bold"/>
+                <a:sym typeface="Arial Bold"/>
+              </a:rPr>
+              <a:t>)</a:t>
+            </a:r>
+          </a:p>
+        </p:txBody>
+      </p:sp>
+      <p:sp>
+        <p:nvSpPr>
+          <p:cNvPr id="13" name="TextBox 13"/>
+          <p:cNvSpPr txBox="1"/>
+          <p:nvPr/>
+        </p:nvSpPr>
+        <p:spPr>
+          <a:xfrm>
+            <a:off x="1981300" y="5675541"/>
+            <a:ext cx="1223565" cy="336887"/>
           </a:xfrm>
           <a:prstGeom prst="rect">
             <a:avLst/>
@@ -4201,7 +4206,67 @@
                 <a:cs typeface="Arial Bold"/>
                 <a:sym typeface="Arial Bold"/>
               </a:rPr>
-              <a:t>Proliferating RPC</a:t>
+              <a:t>PC Precursors </a:t>
+            </a:r>
+          </a:p>
+          <a:p>
+            <a:pPr algn="r">
+              <a:lnSpc>
+                <a:spcPts val="1333"/>
+              </a:lnSpc>
+            </a:pPr>
+            <a:r>
+              <a:rPr lang="en-US" sz="1333" b="1">
+                <a:solidFill>
+                  <a:srgbClr val="000000"/>
+                </a:solidFill>
+                <a:latin typeface="Arial Bold"/>
+                <a:ea typeface="Arial Bold"/>
+                <a:cs typeface="Arial Bold"/>
+                <a:sym typeface="Arial Bold"/>
+              </a:rPr>
+              <a:t>(Liu)</a:t>
+            </a:r>
+          </a:p>
+        </p:txBody>
+      </p:sp>
+      <p:sp>
+        <p:nvSpPr>
+          <p:cNvPr id="14" name="TextBox 14"/>
+          <p:cNvSpPr txBox="1"/>
+          <p:nvPr/>
+        </p:nvSpPr>
+        <p:spPr>
+          <a:xfrm>
+            <a:off x="1981300" y="6181599"/>
+            <a:ext cx="1223565" cy="336887"/>
+          </a:xfrm>
+          <a:prstGeom prst="rect">
+            <a:avLst/>
+          </a:prstGeom>
+        </p:spPr>
+        <p:txBody>
+          <a:bodyPr lIns="0" tIns="0" rIns="0" bIns="0" rtlCol="0" anchor="t">
+            <a:spAutoFit/>
+          </a:bodyPr>
+          <a:lstStyle/>
+          <a:p>
+            <a:pPr algn="r">
+              <a:lnSpc>
+                <a:spcPts val="1333"/>
+              </a:lnSpc>
+            </a:pPr>
+            <a:r>
+              <a:rPr lang="en-US" sz="1333" b="1">
+                <a:solidFill>
+                  <a:srgbClr val="000000"/>
+                </a:solidFill>
+                <a:latin typeface="Arial Bold"/>
+                <a:ea typeface="Arial Bold"/>
+                <a:cs typeface="Arial Bold"/>
+                <a:sym typeface="Arial Bold"/>
+              </a:rPr>
+              <a:t>PC Precursors </a:t>
             </a:r>
           </a:p>
           <a:p>
@@ -4227,212 +4292,13 @@
       </p:sp>
       <p:sp>
         <p:nvSpPr>
-          <p:cNvPr id="12" name="TextBox 12"/>
-          <p:cNvSpPr txBox="1"/>
-          <p:nvPr/>
-        </p:nvSpPr>
-        <p:spPr>
-          <a:xfrm>
-            <a:off x="2722380" y="4805239"/>
-            <a:ext cx="950317" cy="577081"/>
-          </a:xfrm>
-          <a:prstGeom prst="rect">
-            <a:avLst/>
-          </a:prstGeom>
-        </p:spPr>
-        <p:txBody>
-          <a:bodyPr lIns="0" tIns="0" rIns="0" bIns="0" rtlCol="0" anchor="t">
-            <a:spAutoFit/>
-          </a:bodyPr>
-          <a:lstStyle/>
-          <a:p>
-            <a:pPr algn="r">
-              <a:lnSpc>
-                <a:spcPts val="1467"/>
-              </a:lnSpc>
-            </a:pPr>
-            <a:r>
-              <a:rPr lang="en-US" sz="1333" b="1">
-                <a:solidFill>
-                  <a:srgbClr val="000000"/>
-                </a:solidFill>
-                <a:latin typeface="Arial Bold"/>
-                <a:ea typeface="Arial Bold"/>
-                <a:cs typeface="Arial Bold"/>
-                <a:sym typeface="Arial Bold"/>
-              </a:rPr>
-              <a:t>Neurogenic</a:t>
-            </a:r>
-          </a:p>
-          <a:p>
-            <a:pPr algn="r">
-              <a:lnSpc>
-                <a:spcPts val="1467"/>
-              </a:lnSpc>
-            </a:pPr>
-            <a:r>
-              <a:rPr lang="en-US" sz="1333" b="1">
-                <a:solidFill>
-                  <a:srgbClr val="000000"/>
-                </a:solidFill>
-                <a:latin typeface="Arial Bold"/>
-                <a:ea typeface="Arial Bold"/>
-                <a:cs typeface="Arial Bold"/>
-                <a:sym typeface="Arial Bold"/>
-              </a:rPr>
-              <a:t>Progenitors</a:t>
-            </a:r>
-          </a:p>
-          <a:p>
-            <a:pPr algn="r">
-              <a:lnSpc>
-                <a:spcPts val="1467"/>
-              </a:lnSpc>
-            </a:pPr>
-            <a:r>
-              <a:rPr lang="en-US" sz="1333" b="1">
-                <a:solidFill>
-                  <a:srgbClr val="000000"/>
-                </a:solidFill>
-                <a:latin typeface="Arial Bold"/>
-                <a:ea typeface="Arial Bold"/>
-                <a:cs typeface="Arial Bold"/>
-                <a:sym typeface="Arial Bold"/>
-              </a:rPr>
-              <a:t>(Dorgau)</a:t>
-            </a:r>
-          </a:p>
-        </p:txBody>
-      </p:sp>
-      <p:sp>
-        <p:nvSpPr>
-          <p:cNvPr id="13" name="TextBox 13"/>
-          <p:cNvSpPr txBox="1"/>
-          <p:nvPr/>
-        </p:nvSpPr>
-        <p:spPr>
-          <a:xfrm>
-            <a:off x="2449132" y="5571473"/>
-            <a:ext cx="1223565" cy="336887"/>
-          </a:xfrm>
-          <a:prstGeom prst="rect">
-            <a:avLst/>
-          </a:prstGeom>
-        </p:spPr>
-        <p:txBody>
-          <a:bodyPr lIns="0" tIns="0" rIns="0" bIns="0" rtlCol="0" anchor="t">
-            <a:spAutoFit/>
-          </a:bodyPr>
-          <a:lstStyle/>
-          <a:p>
-            <a:pPr algn="r">
-              <a:lnSpc>
-                <a:spcPts val="1333"/>
-              </a:lnSpc>
-            </a:pPr>
-            <a:r>
-              <a:rPr lang="en-US" sz="1333" b="1">
-                <a:solidFill>
-                  <a:srgbClr val="000000"/>
-                </a:solidFill>
-                <a:latin typeface="Arial Bold"/>
-                <a:ea typeface="Arial Bold"/>
-                <a:cs typeface="Arial Bold"/>
-                <a:sym typeface="Arial Bold"/>
-              </a:rPr>
-              <a:t>PC Precursors </a:t>
-            </a:r>
-          </a:p>
-          <a:p>
-            <a:pPr algn="r">
-              <a:lnSpc>
-                <a:spcPts val="1333"/>
-              </a:lnSpc>
-            </a:pPr>
-            <a:r>
-              <a:rPr lang="en-US" sz="1333" b="1">
-                <a:solidFill>
-                  <a:srgbClr val="000000"/>
-                </a:solidFill>
-                <a:latin typeface="Arial Bold"/>
-                <a:ea typeface="Arial Bold"/>
-                <a:cs typeface="Arial Bold"/>
-                <a:sym typeface="Arial Bold"/>
-              </a:rPr>
-              <a:t>(Liu)</a:t>
-            </a:r>
-          </a:p>
-        </p:txBody>
-      </p:sp>
-      <p:sp>
-        <p:nvSpPr>
-          <p:cNvPr id="14" name="TextBox 14"/>
-          <p:cNvSpPr txBox="1"/>
-          <p:nvPr/>
-        </p:nvSpPr>
-        <p:spPr>
-          <a:xfrm>
-            <a:off x="2449132" y="6077531"/>
-            <a:ext cx="1223565" cy="336887"/>
-          </a:xfrm>
-          <a:prstGeom prst="rect">
-            <a:avLst/>
-          </a:prstGeom>
-        </p:spPr>
-        <p:txBody>
-          <a:bodyPr lIns="0" tIns="0" rIns="0" bIns="0" rtlCol="0" anchor="t">
-            <a:spAutoFit/>
-          </a:bodyPr>
-          <a:lstStyle/>
-          <a:p>
-            <a:pPr algn="r">
-              <a:lnSpc>
-                <a:spcPts val="1333"/>
-              </a:lnSpc>
-            </a:pPr>
-            <a:r>
-              <a:rPr lang="en-US" sz="1333" b="1">
-                <a:solidFill>
-                  <a:srgbClr val="000000"/>
-                </a:solidFill>
-                <a:latin typeface="Arial Bold"/>
-                <a:ea typeface="Arial Bold"/>
-                <a:cs typeface="Arial Bold"/>
-                <a:sym typeface="Arial Bold"/>
-              </a:rPr>
-              <a:t>PC Precursors </a:t>
-            </a:r>
-          </a:p>
-          <a:p>
-            <a:pPr algn="r">
-              <a:lnSpc>
-                <a:spcPts val="1333"/>
-              </a:lnSpc>
-            </a:pPr>
-            <a:r>
-              <a:rPr lang="en-US" sz="1333" b="1">
-                <a:solidFill>
-                  <a:srgbClr val="000000"/>
-                </a:solidFill>
-                <a:latin typeface="Arial Bold"/>
-                <a:ea typeface="Arial Bold"/>
-                <a:cs typeface="Arial Bold"/>
-                <a:sym typeface="Arial Bold"/>
-              </a:rPr>
-              <a:t>(Dorgau)</a:t>
-            </a:r>
-          </a:p>
-        </p:txBody>
-      </p:sp>
-      <p:sp>
-        <p:nvSpPr>
           <p:cNvPr id="15" name="TextBox 15"/>
           <p:cNvSpPr txBox="1"/>
           <p:nvPr/>
         </p:nvSpPr>
         <p:spPr>
           <a:xfrm>
-            <a:off x="6461246" y="548038"/>
+            <a:off x="5993414" y="652106"/>
             <a:ext cx="348258" cy="170175"/>
           </a:xfrm>
           <a:prstGeom prst="rect">
@@ -4473,7 +4339,7 @@
         </p:nvSpPr>
         <p:spPr>
           <a:xfrm>
-            <a:off x="6433167" y="1624629"/>
+            <a:off x="5965335" y="1728697"/>
             <a:ext cx="376337" cy="170175"/>
           </a:xfrm>
           <a:prstGeom prst="rect">
@@ -4514,8 +4380,128 @@
         </p:nvSpPr>
         <p:spPr>
           <a:xfrm>
-            <a:off x="6226098" y="2605813"/>
-            <a:ext cx="583406" cy="336887"/>
+            <a:off x="5699051" y="2709881"/>
+            <a:ext cx="642621" cy="336887"/>
+          </a:xfrm>
+          <a:prstGeom prst="rect">
+            <a:avLst/>
+          </a:prstGeom>
+        </p:spPr>
+        <p:txBody>
+          <a:bodyPr wrap="square" lIns="0" tIns="0" rIns="0" bIns="0" rtlCol="0" anchor="t">
+            <a:spAutoFit/>
+          </a:bodyPr>
+          <a:lstStyle/>
+          <a:p>
+            <a:pPr algn="r">
+              <a:lnSpc>
+                <a:spcPts val="1333"/>
+              </a:lnSpc>
+            </a:pPr>
+            <a:r>
+              <a:rPr lang="en-US" sz="1333" b="1" dirty="0">
+                <a:solidFill>
+                  <a:srgbClr val="000000"/>
+                </a:solidFill>
+                <a:latin typeface="Arial Bold"/>
+                <a:ea typeface="Arial Bold"/>
+                <a:cs typeface="Arial Bold"/>
+                <a:sym typeface="Arial Bold"/>
+              </a:rPr>
+              <a:t>Bipolar</a:t>
+            </a:r>
+          </a:p>
+          <a:p>
+            <a:pPr algn="r">
+              <a:lnSpc>
+                <a:spcPts val="1333"/>
+              </a:lnSpc>
+            </a:pPr>
+            <a:r>
+              <a:rPr lang="en-US" sz="1333" b="1" dirty="0">
+                <a:solidFill>
+                  <a:srgbClr val="000000"/>
+                </a:solidFill>
+                <a:latin typeface="Arial Bold"/>
+                <a:ea typeface="Arial Bold"/>
+                <a:cs typeface="Arial Bold"/>
+                <a:sym typeface="Arial Bold"/>
+              </a:rPr>
+              <a:t>Cells</a:t>
+            </a:r>
+          </a:p>
+        </p:txBody>
+      </p:sp>
+      <p:sp>
+        <p:nvSpPr>
+          <p:cNvPr id="18" name="TextBox 18"/>
+          <p:cNvSpPr txBox="1"/>
+          <p:nvPr/>
+        </p:nvSpPr>
+        <p:spPr>
+          <a:xfrm>
+            <a:off x="5457138" y="3448051"/>
+            <a:ext cx="884534" cy="336887"/>
+          </a:xfrm>
+          <a:prstGeom prst="rect">
+            <a:avLst/>
+          </a:prstGeom>
+        </p:spPr>
+        <p:txBody>
+          <a:bodyPr wrap="square" lIns="0" tIns="0" rIns="0" bIns="0" rtlCol="0" anchor="t">
+            <a:spAutoFit/>
+          </a:bodyPr>
+          <a:lstStyle/>
+          <a:p>
+            <a:pPr algn="r">
+              <a:lnSpc>
+                <a:spcPts val="1333"/>
+              </a:lnSpc>
+            </a:pPr>
+            <a:r>
+              <a:rPr lang="en-US" sz="1333" b="1" dirty="0">
+                <a:solidFill>
+                  <a:srgbClr val="000000"/>
+                </a:solidFill>
+                <a:latin typeface="Arial Bold"/>
+                <a:ea typeface="Arial Bold"/>
+                <a:cs typeface="Arial Bold"/>
+                <a:sym typeface="Arial Bold"/>
+              </a:rPr>
+              <a:t>Horizontal</a:t>
+            </a:r>
+          </a:p>
+          <a:p>
+            <a:pPr algn="r">
+              <a:lnSpc>
+                <a:spcPts val="1333"/>
+              </a:lnSpc>
+            </a:pPr>
+            <a:r>
+              <a:rPr lang="en-US" sz="1333" b="1" dirty="0">
+                <a:solidFill>
+                  <a:srgbClr val="000000"/>
+                </a:solidFill>
+                <a:latin typeface="Arial Bold"/>
+                <a:ea typeface="Arial Bold"/>
+                <a:cs typeface="Arial Bold"/>
+                <a:sym typeface="Arial Bold"/>
+              </a:rPr>
+              <a:t>Cells</a:t>
+            </a:r>
+          </a:p>
+        </p:txBody>
+      </p:sp>
+      <p:sp>
+        <p:nvSpPr>
+          <p:cNvPr id="19" name="TextBox 19"/>
+          <p:cNvSpPr txBox="1"/>
+          <p:nvPr/>
+        </p:nvSpPr>
+        <p:spPr>
+          <a:xfrm>
+            <a:off x="5569849" y="4113488"/>
+            <a:ext cx="771823" cy="336887"/>
           </a:xfrm>
           <a:prstGeom prst="rect">
             <a:avLst/>
@@ -4542,7 +4528,7 @@
                 <a:cs typeface="Arial Bold"/>
                 <a:sym typeface="Arial Bold"/>
               </a:rPr>
-              <a:t>Bipolar</a:t>
+              <a:t>Amacrine</a:t>
             </a:r>
           </a:p>
           <a:p>
@@ -4568,133 +4554,13 @@
       </p:sp>
       <p:sp>
         <p:nvSpPr>
-          <p:cNvPr id="18" name="TextBox 18"/>
-          <p:cNvSpPr txBox="1"/>
-          <p:nvPr/>
-        </p:nvSpPr>
-        <p:spPr>
-          <a:xfrm>
-            <a:off x="5981622" y="3343983"/>
-            <a:ext cx="827881" cy="336887"/>
-          </a:xfrm>
-          <a:prstGeom prst="rect">
-            <a:avLst/>
-          </a:prstGeom>
-        </p:spPr>
-        <p:txBody>
-          <a:bodyPr lIns="0" tIns="0" rIns="0" bIns="0" rtlCol="0" anchor="t">
-            <a:spAutoFit/>
-          </a:bodyPr>
-          <a:lstStyle/>
-          <a:p>
-            <a:pPr algn="r">
-              <a:lnSpc>
-                <a:spcPts val="1333"/>
-              </a:lnSpc>
-            </a:pPr>
-            <a:r>
-              <a:rPr lang="en-US" sz="1333" b="1">
-                <a:solidFill>
-                  <a:srgbClr val="000000"/>
-                </a:solidFill>
-                <a:latin typeface="Arial Bold"/>
-                <a:ea typeface="Arial Bold"/>
-                <a:cs typeface="Arial Bold"/>
-                <a:sym typeface="Arial Bold"/>
-              </a:rPr>
-              <a:t>Horizontal</a:t>
-            </a:r>
-          </a:p>
-          <a:p>
-            <a:pPr algn="r">
-              <a:lnSpc>
-                <a:spcPts val="1333"/>
-              </a:lnSpc>
-            </a:pPr>
-            <a:r>
-              <a:rPr lang="en-US" sz="1333" b="1">
-                <a:solidFill>
-                  <a:srgbClr val="000000"/>
-                </a:solidFill>
-                <a:latin typeface="Arial Bold"/>
-                <a:ea typeface="Arial Bold"/>
-                <a:cs typeface="Arial Bold"/>
-                <a:sym typeface="Arial Bold"/>
-              </a:rPr>
-              <a:t>Cells</a:t>
-            </a:r>
-          </a:p>
-        </p:txBody>
-      </p:sp>
-      <p:sp>
-        <p:nvSpPr>
-          <p:cNvPr id="19" name="TextBox 19"/>
-          <p:cNvSpPr txBox="1"/>
-          <p:nvPr/>
-        </p:nvSpPr>
-        <p:spPr>
-          <a:xfrm>
-            <a:off x="6037681" y="4009420"/>
-            <a:ext cx="771823" cy="336887"/>
-          </a:xfrm>
-          <a:prstGeom prst="rect">
-            <a:avLst/>
-          </a:prstGeom>
-        </p:spPr>
-        <p:txBody>
-          <a:bodyPr lIns="0" tIns="0" rIns="0" bIns="0" rtlCol="0" anchor="t">
-            <a:spAutoFit/>
-          </a:bodyPr>
-          <a:lstStyle/>
-          <a:p>
-            <a:pPr algn="r">
-              <a:lnSpc>
-                <a:spcPts val="1333"/>
-              </a:lnSpc>
-            </a:pPr>
-            <a:r>
-              <a:rPr lang="en-US" sz="1333" b="1">
-                <a:solidFill>
-                  <a:srgbClr val="000000"/>
-                </a:solidFill>
-                <a:latin typeface="Arial Bold"/>
-                <a:ea typeface="Arial Bold"/>
-                <a:cs typeface="Arial Bold"/>
-                <a:sym typeface="Arial Bold"/>
-              </a:rPr>
-              <a:t>Amacrine</a:t>
-            </a:r>
-          </a:p>
-          <a:p>
-            <a:pPr algn="r">
-              <a:lnSpc>
-                <a:spcPts val="1333"/>
-              </a:lnSpc>
-            </a:pPr>
-            <a:r>
-              <a:rPr lang="en-US" sz="1333" b="1">
-                <a:solidFill>
-                  <a:srgbClr val="000000"/>
-                </a:solidFill>
-                <a:latin typeface="Arial Bold"/>
-                <a:ea typeface="Arial Bold"/>
-                <a:cs typeface="Arial Bold"/>
-                <a:sym typeface="Arial Bold"/>
-              </a:rPr>
-              <a:t>Cells</a:t>
-            </a:r>
-          </a:p>
-        </p:txBody>
-      </p:sp>
-      <p:sp>
-        <p:nvSpPr>
           <p:cNvPr id="20" name="TextBox 20"/>
           <p:cNvSpPr txBox="1"/>
           <p:nvPr/>
         </p:nvSpPr>
         <p:spPr>
           <a:xfrm>
-            <a:off x="5558058" y="4965048"/>
+            <a:off x="5090226" y="5069116"/>
             <a:ext cx="1251446" cy="170175"/>
           </a:xfrm>
           <a:prstGeom prst="rect">
@@ -4735,7 +4601,7 @@
         </p:nvSpPr>
         <p:spPr>
           <a:xfrm>
-            <a:off x="5924969" y="5834114"/>
+            <a:off x="5457137" y="5938182"/>
             <a:ext cx="884535" cy="336887"/>
           </a:xfrm>
           <a:prstGeom prst="rect">
@@ -4801,7 +4667,7 @@
         </p:nvSpPr>
         <p:spPr>
           <a:xfrm>
-            <a:off x="577517" y="718213"/>
+            <a:off x="109685" y="822281"/>
             <a:ext cx="2040454" cy="1323439"/>
           </a:xfrm>
           <a:prstGeom prst="rect">
@@ -4823,6 +4689,1011 @@
         </p:txBody>
       </p:sp>
     </p:spTree>
+  </p:cSld>
+  <p:clrMapOvr>
+    <a:masterClrMapping/>
+  </p:clrMapOvr>
+</p:sld>
+</file>
+
+<file path=ppt/slides/slide3.xml><?xml version="1.0" encoding="utf-8"?>
+<p:sld xmlns:a="http://schemas.openxmlformats.org/drawingml/2006/main" xmlns:r="http://schemas.openxmlformats.org/officeDocument/2006/relationships" xmlns:p="http://schemas.openxmlformats.org/presentationml/2006/main">
+  <p:cSld>
+    <p:spTree>
+      <p:nvGrpSpPr>
+        <p:cNvPr id="1" name="">
+          <a:extLst>
+            <a:ext uri="{FF2B5EF4-FFF2-40B4-BE49-F238E27FC236}">
+              <a16:creationId xmlns:a16="http://schemas.microsoft.com/office/drawing/2014/main" id="{E5583F4E-8C20-259E-5362-924321ECC82F}"/>
+            </a:ext>
+          </a:extLst>
+        </p:cNvPr>
+        <p:cNvGrpSpPr/>
+        <p:nvPr/>
+      </p:nvGrpSpPr>
+      <p:grpSpPr>
+        <a:xfrm>
+          <a:off x="0" y="0"/>
+          <a:ext cx="0" cy="0"/>
+          <a:chOff x="0" y="0"/>
+          <a:chExt cx="0" cy="0"/>
+        </a:xfrm>
+      </p:grpSpPr>
+      <p:sp>
+        <p:nvSpPr>
+          <p:cNvPr id="6" name="TextBox 5">
+            <a:extLst>
+              <a:ext uri="{FF2B5EF4-FFF2-40B4-BE49-F238E27FC236}">
+                <a16:creationId xmlns:a16="http://schemas.microsoft.com/office/drawing/2014/main" id="{9E426A7F-0E4C-5614-CDF0-5E04AD9536DC}"/>
+              </a:ext>
+            </a:extLst>
+          </p:cNvPr>
+          <p:cNvSpPr txBox="1"/>
+          <p:nvPr/>
+        </p:nvSpPr>
+        <p:spPr>
+          <a:xfrm>
+            <a:off x="10069033" y="4008474"/>
+            <a:ext cx="184731" cy="369332"/>
+          </a:xfrm>
+          <a:prstGeom prst="rect">
+            <a:avLst/>
+          </a:prstGeom>
+          <a:noFill/>
+        </p:spPr>
+        <p:txBody>
+          <a:bodyPr wrap="none" rtlCol="0">
+            <a:spAutoFit/>
+          </a:bodyPr>
+          <a:lstStyle/>
+          <a:p>
+            <a:endParaRPr lang="en-US"/>
+          </a:p>
+        </p:txBody>
+      </p:sp>
+      <p:sp>
+        <p:nvSpPr>
+          <p:cNvPr id="2" name="TextBox 1">
+            <a:extLst>
+              <a:ext uri="{FF2B5EF4-FFF2-40B4-BE49-F238E27FC236}">
+                <a16:creationId xmlns:a16="http://schemas.microsoft.com/office/drawing/2014/main" id="{4F3BE272-5AAB-3E63-A3A7-98DDADB2B02C}"/>
+              </a:ext>
+            </a:extLst>
+          </p:cNvPr>
+          <p:cNvSpPr txBox="1"/>
+          <p:nvPr/>
+        </p:nvSpPr>
+        <p:spPr>
+          <a:xfrm>
+            <a:off x="233916" y="404037"/>
+            <a:ext cx="2115879" cy="1015663"/>
+          </a:xfrm>
+          <a:prstGeom prst="rect">
+            <a:avLst/>
+          </a:prstGeom>
+          <a:noFill/>
+        </p:spPr>
+        <p:txBody>
+          <a:bodyPr wrap="square" rtlCol="0">
+            <a:spAutoFit/>
+          </a:bodyPr>
+          <a:lstStyle/>
+          <a:p>
+            <a:r>
+              <a:rPr lang="en-US" sz="3000" dirty="0"/>
+              <a:t>Using rlog2 full scale</a:t>
+            </a:r>
+          </a:p>
+        </p:txBody>
+      </p:sp>
+      <p:pic>
+        <p:nvPicPr>
+          <p:cNvPr id="11" name="Picture 10" descr="A chart of a number of different colored squares&#10;&#10;AI-generated content may be incorrect.">
+            <a:extLst>
+              <a:ext uri="{FF2B5EF4-FFF2-40B4-BE49-F238E27FC236}">
+                <a16:creationId xmlns:a16="http://schemas.microsoft.com/office/drawing/2014/main" id="{71DECFB3-3287-18DC-494D-A28665108999}"/>
+              </a:ext>
+            </a:extLst>
+          </p:cNvPr>
+          <p:cNvPicPr>
+            <a:picLocks noChangeAspect="1"/>
+          </p:cNvPicPr>
+          <p:nvPr/>
+        </p:nvPicPr>
+        <p:blipFill>
+          <a:blip r:embed="rId2"/>
+          <a:stretch>
+            <a:fillRect/>
+          </a:stretch>
+        </p:blipFill>
+        <p:spPr>
+          <a:xfrm>
+            <a:off x="6719334" y="0"/>
+            <a:ext cx="3771900" cy="6858000"/>
+          </a:xfrm>
+          <a:prstGeom prst="rect">
+            <a:avLst/>
+          </a:prstGeom>
+        </p:spPr>
+      </p:pic>
+      <p:pic>
+        <p:nvPicPr>
+          <p:cNvPr id="13" name="Picture 12" descr="A screenshot of a screen shot of a chart&#10;&#10;AI-generated content may be incorrect.">
+            <a:extLst>
+              <a:ext uri="{FF2B5EF4-FFF2-40B4-BE49-F238E27FC236}">
+                <a16:creationId xmlns:a16="http://schemas.microsoft.com/office/drawing/2014/main" id="{E01EAAAD-0F3F-B6AB-3759-8BCAECFE7C90}"/>
+              </a:ext>
+            </a:extLst>
+          </p:cNvPr>
+          <p:cNvPicPr>
+            <a:picLocks noChangeAspect="1"/>
+          </p:cNvPicPr>
+          <p:nvPr/>
+        </p:nvPicPr>
+        <p:blipFill>
+          <a:blip r:embed="rId3"/>
+          <a:stretch>
+            <a:fillRect/>
+          </a:stretch>
+        </p:blipFill>
+        <p:spPr>
+          <a:xfrm>
+            <a:off x="2850633" y="0"/>
+            <a:ext cx="3771900" cy="6858000"/>
+          </a:xfrm>
+          <a:prstGeom prst="rect">
+            <a:avLst/>
+          </a:prstGeom>
+        </p:spPr>
+      </p:pic>
+    </p:spTree>
+    <p:extLst>
+      <p:ext uri="{BB962C8B-B14F-4D97-AF65-F5344CB8AC3E}">
+        <p14:creationId xmlns:p14="http://schemas.microsoft.com/office/powerpoint/2010/main" val="552490277"/>
+      </p:ext>
+    </p:extLst>
+  </p:cSld>
+  <p:clrMapOvr>
+    <a:masterClrMapping/>
+  </p:clrMapOvr>
+</p:sld>
+</file>
+
+<file path=ppt/slides/slide4.xml><?xml version="1.0" encoding="utf-8"?>
+<p:sld xmlns:a="http://schemas.openxmlformats.org/drawingml/2006/main" xmlns:r="http://schemas.openxmlformats.org/officeDocument/2006/relationships" xmlns:p="http://schemas.openxmlformats.org/presentationml/2006/main">
+  <p:cSld>
+    <p:spTree>
+      <p:nvGrpSpPr>
+        <p:cNvPr id="1" name="">
+          <a:extLst>
+            <a:ext uri="{FF2B5EF4-FFF2-40B4-BE49-F238E27FC236}">
+              <a16:creationId xmlns:a16="http://schemas.microsoft.com/office/drawing/2014/main" id="{BB2CF55B-C2F0-D3B0-545D-8D5DBB959DF2}"/>
+            </a:ext>
+          </a:extLst>
+        </p:cNvPr>
+        <p:cNvGrpSpPr/>
+        <p:nvPr/>
+      </p:nvGrpSpPr>
+      <p:grpSpPr>
+        <a:xfrm>
+          <a:off x="0" y="0"/>
+          <a:ext cx="0" cy="0"/>
+          <a:chOff x="0" y="0"/>
+          <a:chExt cx="0" cy="0"/>
+        </a:xfrm>
+      </p:grpSpPr>
+      <p:sp>
+        <p:nvSpPr>
+          <p:cNvPr id="6" name="TextBox 5">
+            <a:extLst>
+              <a:ext uri="{FF2B5EF4-FFF2-40B4-BE49-F238E27FC236}">
+                <a16:creationId xmlns:a16="http://schemas.microsoft.com/office/drawing/2014/main" id="{F60394A3-0D95-DEF5-AD25-6FF8D45C06E4}"/>
+              </a:ext>
+            </a:extLst>
+          </p:cNvPr>
+          <p:cNvSpPr txBox="1"/>
+          <p:nvPr/>
+        </p:nvSpPr>
+        <p:spPr>
+          <a:xfrm>
+            <a:off x="10069033" y="4008474"/>
+            <a:ext cx="184731" cy="369332"/>
+          </a:xfrm>
+          <a:prstGeom prst="rect">
+            <a:avLst/>
+          </a:prstGeom>
+          <a:noFill/>
+        </p:spPr>
+        <p:txBody>
+          <a:bodyPr wrap="none" rtlCol="0">
+            <a:spAutoFit/>
+          </a:bodyPr>
+          <a:lstStyle/>
+          <a:p>
+            <a:endParaRPr lang="en-US"/>
+          </a:p>
+        </p:txBody>
+      </p:sp>
+      <p:sp>
+        <p:nvSpPr>
+          <p:cNvPr id="2" name="TextBox 1">
+            <a:extLst>
+              <a:ext uri="{FF2B5EF4-FFF2-40B4-BE49-F238E27FC236}">
+                <a16:creationId xmlns:a16="http://schemas.microsoft.com/office/drawing/2014/main" id="{EA6EDC04-5916-9507-1513-A9B0FBF1872C}"/>
+              </a:ext>
+            </a:extLst>
+          </p:cNvPr>
+          <p:cNvSpPr txBox="1"/>
+          <p:nvPr/>
+        </p:nvSpPr>
+        <p:spPr>
+          <a:xfrm>
+            <a:off x="233916" y="404037"/>
+            <a:ext cx="2349796" cy="1477328"/>
+          </a:xfrm>
+          <a:prstGeom prst="rect">
+            <a:avLst/>
+          </a:prstGeom>
+          <a:noFill/>
+        </p:spPr>
+        <p:txBody>
+          <a:bodyPr wrap="square" rtlCol="0">
+            <a:spAutoFit/>
+          </a:bodyPr>
+          <a:lstStyle/>
+          <a:p>
+            <a:r>
+              <a:rPr lang="en-US" sz="3000" dirty="0"/>
+              <a:t>Using rlog2 compressed scale</a:t>
+            </a:r>
+          </a:p>
+        </p:txBody>
+      </p:sp>
+      <p:pic>
+        <p:nvPicPr>
+          <p:cNvPr id="11" name="Picture 10" descr="A close-up of a chart&#10;&#10;AI-generated content may be incorrect.">
+            <a:extLst>
+              <a:ext uri="{FF2B5EF4-FFF2-40B4-BE49-F238E27FC236}">
+                <a16:creationId xmlns:a16="http://schemas.microsoft.com/office/drawing/2014/main" id="{E95F8133-7B02-9FA7-D7BC-8CF7B665C313}"/>
+              </a:ext>
+            </a:extLst>
+          </p:cNvPr>
+          <p:cNvPicPr>
+            <a:picLocks noChangeAspect="1"/>
+          </p:cNvPicPr>
+          <p:nvPr/>
+        </p:nvPicPr>
+        <p:blipFill>
+          <a:blip r:embed="rId2"/>
+          <a:stretch>
+            <a:fillRect/>
+          </a:stretch>
+        </p:blipFill>
+        <p:spPr>
+          <a:xfrm>
+            <a:off x="8354533" y="0"/>
+            <a:ext cx="3429000" cy="6858000"/>
+          </a:xfrm>
+          <a:prstGeom prst="rect">
+            <a:avLst/>
+          </a:prstGeom>
+        </p:spPr>
+      </p:pic>
+      <p:pic>
+        <p:nvPicPr>
+          <p:cNvPr id="13" name="Picture 12" descr="A screen shot of a graph&#10;&#10;AI-generated content may be incorrect.">
+            <a:extLst>
+              <a:ext uri="{FF2B5EF4-FFF2-40B4-BE49-F238E27FC236}">
+                <a16:creationId xmlns:a16="http://schemas.microsoft.com/office/drawing/2014/main" id="{99201180-47D3-F613-AF59-1AB047A81EDD}"/>
+              </a:ext>
+            </a:extLst>
+          </p:cNvPr>
+          <p:cNvPicPr>
+            <a:picLocks noChangeAspect="1"/>
+          </p:cNvPicPr>
+          <p:nvPr/>
+        </p:nvPicPr>
+        <p:blipFill>
+          <a:blip r:embed="rId3"/>
+          <a:stretch>
+            <a:fillRect/>
+          </a:stretch>
+        </p:blipFill>
+        <p:spPr>
+          <a:xfrm>
+            <a:off x="3249053" y="0"/>
+            <a:ext cx="4848606" cy="6858000"/>
+          </a:xfrm>
+          <a:prstGeom prst="rect">
+            <a:avLst/>
+          </a:prstGeom>
+        </p:spPr>
+      </p:pic>
+    </p:spTree>
+    <p:extLst>
+      <p:ext uri="{BB962C8B-B14F-4D97-AF65-F5344CB8AC3E}">
+        <p14:creationId xmlns:p14="http://schemas.microsoft.com/office/powerpoint/2010/main" val="2402794709"/>
+      </p:ext>
+    </p:extLst>
+  </p:cSld>
+  <p:clrMapOvr>
+    <a:masterClrMapping/>
+  </p:clrMapOvr>
+</p:sld>
+</file>
+
+<file path=ppt/slides/slide5.xml><?xml version="1.0" encoding="utf-8"?>
+<p:sld xmlns:a="http://schemas.openxmlformats.org/drawingml/2006/main" xmlns:r="http://schemas.openxmlformats.org/officeDocument/2006/relationships" xmlns:p="http://schemas.openxmlformats.org/presentationml/2006/main">
+  <p:cSld>
+    <p:spTree>
+      <p:nvGrpSpPr>
+        <p:cNvPr id="1" name="">
+          <a:extLst>
+            <a:ext uri="{FF2B5EF4-FFF2-40B4-BE49-F238E27FC236}">
+              <a16:creationId xmlns:a16="http://schemas.microsoft.com/office/drawing/2014/main" id="{45C62BBA-B445-64FF-0F1F-B92409CADFF4}"/>
+            </a:ext>
+          </a:extLst>
+        </p:cNvPr>
+        <p:cNvGrpSpPr/>
+        <p:nvPr/>
+      </p:nvGrpSpPr>
+      <p:grpSpPr>
+        <a:xfrm>
+          <a:off x="0" y="0"/>
+          <a:ext cx="0" cy="0"/>
+          <a:chOff x="0" y="0"/>
+          <a:chExt cx="0" cy="0"/>
+        </a:xfrm>
+      </p:grpSpPr>
+      <p:sp>
+        <p:nvSpPr>
+          <p:cNvPr id="6" name="TextBox 5">
+            <a:extLst>
+              <a:ext uri="{FF2B5EF4-FFF2-40B4-BE49-F238E27FC236}">
+                <a16:creationId xmlns:a16="http://schemas.microsoft.com/office/drawing/2014/main" id="{177DF324-3A04-61E3-FCF3-747B474B6411}"/>
+              </a:ext>
+            </a:extLst>
+          </p:cNvPr>
+          <p:cNvSpPr txBox="1"/>
+          <p:nvPr/>
+        </p:nvSpPr>
+        <p:spPr>
+          <a:xfrm>
+            <a:off x="10069033" y="4008474"/>
+            <a:ext cx="184731" cy="369332"/>
+          </a:xfrm>
+          <a:prstGeom prst="rect">
+            <a:avLst/>
+          </a:prstGeom>
+          <a:noFill/>
+        </p:spPr>
+        <p:txBody>
+          <a:bodyPr wrap="none" rtlCol="0">
+            <a:spAutoFit/>
+          </a:bodyPr>
+          <a:lstStyle/>
+          <a:p>
+            <a:endParaRPr lang="en-US"/>
+          </a:p>
+        </p:txBody>
+      </p:sp>
+      <p:pic>
+        <p:nvPicPr>
+          <p:cNvPr id="4" name="Picture 3" descr="A diagram of different colored squares&#10;&#10;AI-generated content may be incorrect.">
+            <a:extLst>
+              <a:ext uri="{FF2B5EF4-FFF2-40B4-BE49-F238E27FC236}">
+                <a16:creationId xmlns:a16="http://schemas.microsoft.com/office/drawing/2014/main" id="{148CC4E5-2982-5EC3-E700-41BDD6A43439}"/>
+              </a:ext>
+            </a:extLst>
+          </p:cNvPr>
+          <p:cNvPicPr>
+            <a:picLocks noChangeAspect="1"/>
+          </p:cNvPicPr>
+          <p:nvPr/>
+        </p:nvPicPr>
+        <p:blipFill>
+          <a:blip r:embed="rId2"/>
+          <a:stretch>
+            <a:fillRect/>
+          </a:stretch>
+        </p:blipFill>
+        <p:spPr>
+          <a:xfrm>
+            <a:off x="1889721" y="48006"/>
+            <a:ext cx="7772400" cy="3380994"/>
+          </a:xfrm>
+          <a:prstGeom prst="rect">
+            <a:avLst/>
+          </a:prstGeom>
+        </p:spPr>
+      </p:pic>
+      <p:pic>
+        <p:nvPicPr>
+          <p:cNvPr id="7" name="Picture 6" descr="A diagram of a number of bar graphs&#10;&#10;AI-generated content may be incorrect.">
+            <a:extLst>
+              <a:ext uri="{FF2B5EF4-FFF2-40B4-BE49-F238E27FC236}">
+                <a16:creationId xmlns:a16="http://schemas.microsoft.com/office/drawing/2014/main" id="{5E28B987-4AB4-BEFF-BE7B-A7BF32FEBD7A}"/>
+              </a:ext>
+            </a:extLst>
+          </p:cNvPr>
+          <p:cNvPicPr>
+            <a:picLocks noChangeAspect="1"/>
+          </p:cNvPicPr>
+          <p:nvPr/>
+        </p:nvPicPr>
+        <p:blipFill>
+          <a:blip r:embed="rId3"/>
+          <a:stretch>
+            <a:fillRect/>
+          </a:stretch>
+        </p:blipFill>
+        <p:spPr>
+          <a:xfrm>
+            <a:off x="1765005" y="3429000"/>
+            <a:ext cx="7772400" cy="3380994"/>
+          </a:xfrm>
+          <a:prstGeom prst="rect">
+            <a:avLst/>
+          </a:prstGeom>
+        </p:spPr>
+      </p:pic>
+      <p:sp>
+        <p:nvSpPr>
+          <p:cNvPr id="8" name="TextBox 7">
+            <a:extLst>
+              <a:ext uri="{FF2B5EF4-FFF2-40B4-BE49-F238E27FC236}">
+                <a16:creationId xmlns:a16="http://schemas.microsoft.com/office/drawing/2014/main" id="{E1957AB7-22A4-A2D7-16E3-7DD3469768DF}"/>
+              </a:ext>
+            </a:extLst>
+          </p:cNvPr>
+          <p:cNvSpPr txBox="1"/>
+          <p:nvPr/>
+        </p:nvSpPr>
+        <p:spPr>
+          <a:xfrm>
+            <a:off x="0" y="276447"/>
+            <a:ext cx="2052084" cy="369332"/>
+          </a:xfrm>
+          <a:prstGeom prst="rect">
+            <a:avLst/>
+          </a:prstGeom>
+          <a:noFill/>
+        </p:spPr>
+        <p:txBody>
+          <a:bodyPr wrap="square" rtlCol="0">
+            <a:spAutoFit/>
+          </a:bodyPr>
+          <a:lstStyle/>
+          <a:p>
+            <a:r>
+              <a:rPr lang="en-US" dirty="0"/>
+              <a:t>Individual z-scores</a:t>
+            </a:r>
+          </a:p>
+        </p:txBody>
+      </p:sp>
+    </p:spTree>
+    <p:extLst>
+      <p:ext uri="{BB962C8B-B14F-4D97-AF65-F5344CB8AC3E}">
+        <p14:creationId xmlns:p14="http://schemas.microsoft.com/office/powerpoint/2010/main" val="1066720438"/>
+      </p:ext>
+    </p:extLst>
+  </p:cSld>
+  <p:clrMapOvr>
+    <a:masterClrMapping/>
+  </p:clrMapOvr>
+</p:sld>
+</file>
+
+<file path=ppt/slides/slide6.xml><?xml version="1.0" encoding="utf-8"?>
+<p:sld xmlns:a="http://schemas.openxmlformats.org/drawingml/2006/main" xmlns:r="http://schemas.openxmlformats.org/officeDocument/2006/relationships" xmlns:p="http://schemas.openxmlformats.org/presentationml/2006/main">
+  <p:cSld>
+    <p:spTree>
+      <p:nvGrpSpPr>
+        <p:cNvPr id="1" name="">
+          <a:extLst>
+            <a:ext uri="{FF2B5EF4-FFF2-40B4-BE49-F238E27FC236}">
+              <a16:creationId xmlns:a16="http://schemas.microsoft.com/office/drawing/2014/main" id="{11E79181-501E-DCEC-A0C9-9B0133D8C25D}"/>
+            </a:ext>
+          </a:extLst>
+        </p:cNvPr>
+        <p:cNvGrpSpPr/>
+        <p:nvPr/>
+      </p:nvGrpSpPr>
+      <p:grpSpPr>
+        <a:xfrm>
+          <a:off x="0" y="0"/>
+          <a:ext cx="0" cy="0"/>
+          <a:chOff x="0" y="0"/>
+          <a:chExt cx="0" cy="0"/>
+        </a:xfrm>
+      </p:grpSpPr>
+      <p:sp>
+        <p:nvSpPr>
+          <p:cNvPr id="6" name="TextBox 5">
+            <a:extLst>
+              <a:ext uri="{FF2B5EF4-FFF2-40B4-BE49-F238E27FC236}">
+                <a16:creationId xmlns:a16="http://schemas.microsoft.com/office/drawing/2014/main" id="{DB4B9A70-E5E8-1643-6F85-E2E7CF4BCC57}"/>
+              </a:ext>
+            </a:extLst>
+          </p:cNvPr>
+          <p:cNvSpPr txBox="1"/>
+          <p:nvPr/>
+        </p:nvSpPr>
+        <p:spPr>
+          <a:xfrm>
+            <a:off x="10069033" y="4008474"/>
+            <a:ext cx="184731" cy="369332"/>
+          </a:xfrm>
+          <a:prstGeom prst="rect">
+            <a:avLst/>
+          </a:prstGeom>
+          <a:noFill/>
+        </p:spPr>
+        <p:txBody>
+          <a:bodyPr wrap="none" rtlCol="0">
+            <a:spAutoFit/>
+          </a:bodyPr>
+          <a:lstStyle/>
+          <a:p>
+            <a:endParaRPr lang="en-US"/>
+          </a:p>
+        </p:txBody>
+      </p:sp>
+      <p:sp>
+        <p:nvSpPr>
+          <p:cNvPr id="3" name="TextBox 2">
+            <a:extLst>
+              <a:ext uri="{FF2B5EF4-FFF2-40B4-BE49-F238E27FC236}">
+                <a16:creationId xmlns:a16="http://schemas.microsoft.com/office/drawing/2014/main" id="{14C4CCCD-0E10-3856-B719-278150128A67}"/>
+              </a:ext>
+            </a:extLst>
+          </p:cNvPr>
+          <p:cNvSpPr txBox="1"/>
+          <p:nvPr/>
+        </p:nvSpPr>
+        <p:spPr>
+          <a:xfrm>
+            <a:off x="180753" y="159488"/>
+            <a:ext cx="3381154" cy="369332"/>
+          </a:xfrm>
+          <a:prstGeom prst="rect">
+            <a:avLst/>
+          </a:prstGeom>
+          <a:noFill/>
+        </p:spPr>
+        <p:txBody>
+          <a:bodyPr wrap="square" rtlCol="0">
+            <a:spAutoFit/>
+          </a:bodyPr>
+          <a:lstStyle/>
+          <a:p>
+            <a:r>
+              <a:rPr lang="en-US" dirty="0"/>
+              <a:t>Mean Z-score boxplots</a:t>
+            </a:r>
+          </a:p>
+        </p:txBody>
+      </p:sp>
+      <p:pic>
+        <p:nvPicPr>
+          <p:cNvPr id="5" name="Picture 4" descr="A chart of different colored rectangular shapes&#10;&#10;AI-generated content may be incorrect.">
+            <a:extLst>
+              <a:ext uri="{FF2B5EF4-FFF2-40B4-BE49-F238E27FC236}">
+                <a16:creationId xmlns:a16="http://schemas.microsoft.com/office/drawing/2014/main" id="{1767B459-633A-59C6-FBA1-DC7255D8CC0D}"/>
+              </a:ext>
+            </a:extLst>
+          </p:cNvPr>
+          <p:cNvPicPr>
+            <a:picLocks noChangeAspect="1"/>
+          </p:cNvPicPr>
+          <p:nvPr/>
+        </p:nvPicPr>
+        <p:blipFill>
+          <a:blip r:embed="rId2"/>
+          <a:stretch>
+            <a:fillRect/>
+          </a:stretch>
+        </p:blipFill>
+        <p:spPr>
+          <a:xfrm>
+            <a:off x="6096000" y="1264108"/>
+            <a:ext cx="5864285" cy="4329783"/>
+          </a:xfrm>
+          <a:prstGeom prst="rect">
+            <a:avLst/>
+          </a:prstGeom>
+        </p:spPr>
+      </p:pic>
+      <p:pic>
+        <p:nvPicPr>
+          <p:cNvPr id="8" name="Picture 7" descr="A diagram of different colored rectangular shapes&#10;&#10;AI-generated content may be incorrect.">
+            <a:extLst>
+              <a:ext uri="{FF2B5EF4-FFF2-40B4-BE49-F238E27FC236}">
+                <a16:creationId xmlns:a16="http://schemas.microsoft.com/office/drawing/2014/main" id="{15FFD2A8-6AE3-53FD-2781-3C16DE313EC5}"/>
+              </a:ext>
+            </a:extLst>
+          </p:cNvPr>
+          <p:cNvPicPr>
+            <a:picLocks noChangeAspect="1"/>
+          </p:cNvPicPr>
+          <p:nvPr/>
+        </p:nvPicPr>
+        <p:blipFill>
+          <a:blip r:embed="rId3"/>
+          <a:stretch>
+            <a:fillRect/>
+          </a:stretch>
+        </p:blipFill>
+        <p:spPr>
+          <a:xfrm>
+            <a:off x="0" y="1264108"/>
+            <a:ext cx="6125077" cy="4522334"/>
+          </a:xfrm>
+          <a:prstGeom prst="rect">
+            <a:avLst/>
+          </a:prstGeom>
+        </p:spPr>
+      </p:pic>
+    </p:spTree>
+    <p:extLst>
+      <p:ext uri="{BB962C8B-B14F-4D97-AF65-F5344CB8AC3E}">
+        <p14:creationId xmlns:p14="http://schemas.microsoft.com/office/powerpoint/2010/main" val="1548326899"/>
+      </p:ext>
+    </p:extLst>
+  </p:cSld>
+  <p:clrMapOvr>
+    <a:masterClrMapping/>
+  </p:clrMapOvr>
+</p:sld>
+</file>
+
+<file path=ppt/slides/slide7.xml><?xml version="1.0" encoding="utf-8"?>
+<p:sld xmlns:a="http://schemas.openxmlformats.org/drawingml/2006/main" xmlns:r="http://schemas.openxmlformats.org/officeDocument/2006/relationships" xmlns:p="http://schemas.openxmlformats.org/presentationml/2006/main">
+  <p:cSld>
+    <p:spTree>
+      <p:nvGrpSpPr>
+        <p:cNvPr id="1" name="">
+          <a:extLst>
+            <a:ext uri="{FF2B5EF4-FFF2-40B4-BE49-F238E27FC236}">
+              <a16:creationId xmlns:a16="http://schemas.microsoft.com/office/drawing/2014/main" id="{198612F1-161F-3298-6DEF-08B76A224936}"/>
+            </a:ext>
+          </a:extLst>
+        </p:cNvPr>
+        <p:cNvGrpSpPr/>
+        <p:nvPr/>
+      </p:nvGrpSpPr>
+      <p:grpSpPr>
+        <a:xfrm>
+          <a:off x="0" y="0"/>
+          <a:ext cx="0" cy="0"/>
+          <a:chOff x="0" y="0"/>
+          <a:chExt cx="0" cy="0"/>
+        </a:xfrm>
+      </p:grpSpPr>
+      <p:sp>
+        <p:nvSpPr>
+          <p:cNvPr id="6" name="TextBox 5">
+            <a:extLst>
+              <a:ext uri="{FF2B5EF4-FFF2-40B4-BE49-F238E27FC236}">
+                <a16:creationId xmlns:a16="http://schemas.microsoft.com/office/drawing/2014/main" id="{5A1E31D8-B21D-05B9-4907-C8B747F70ECA}"/>
+              </a:ext>
+            </a:extLst>
+          </p:cNvPr>
+          <p:cNvSpPr txBox="1"/>
+          <p:nvPr/>
+        </p:nvSpPr>
+        <p:spPr>
+          <a:xfrm>
+            <a:off x="10069033" y="4008474"/>
+            <a:ext cx="184731" cy="369332"/>
+          </a:xfrm>
+          <a:prstGeom prst="rect">
+            <a:avLst/>
+          </a:prstGeom>
+          <a:noFill/>
+        </p:spPr>
+        <p:txBody>
+          <a:bodyPr wrap="none" rtlCol="0">
+            <a:spAutoFit/>
+          </a:bodyPr>
+          <a:lstStyle/>
+          <a:p>
+            <a:endParaRPr lang="en-US"/>
+          </a:p>
+        </p:txBody>
+      </p:sp>
+      <p:sp>
+        <p:nvSpPr>
+          <p:cNvPr id="3" name="TextBox 2">
+            <a:extLst>
+              <a:ext uri="{FF2B5EF4-FFF2-40B4-BE49-F238E27FC236}">
+                <a16:creationId xmlns:a16="http://schemas.microsoft.com/office/drawing/2014/main" id="{04F13709-5526-941A-5671-710B73A018C8}"/>
+              </a:ext>
+            </a:extLst>
+          </p:cNvPr>
+          <p:cNvSpPr txBox="1"/>
+          <p:nvPr/>
+        </p:nvSpPr>
+        <p:spPr>
+          <a:xfrm>
+            <a:off x="180753" y="159488"/>
+            <a:ext cx="2179675" cy="369332"/>
+          </a:xfrm>
+          <a:prstGeom prst="rect">
+            <a:avLst/>
+          </a:prstGeom>
+          <a:noFill/>
+        </p:spPr>
+        <p:txBody>
+          <a:bodyPr wrap="square" rtlCol="0">
+            <a:spAutoFit/>
+          </a:bodyPr>
+          <a:lstStyle/>
+          <a:p>
+            <a:r>
+              <a:rPr lang="en-US" dirty="0"/>
+              <a:t>rlog2  boxplots</a:t>
+            </a:r>
+          </a:p>
+        </p:txBody>
+      </p:sp>
+      <p:pic>
+        <p:nvPicPr>
+          <p:cNvPr id="4" name="Picture 3" descr="A diagram of different colored rectangular shapes&#10;&#10;AI-generated content may be incorrect.">
+            <a:extLst>
+              <a:ext uri="{FF2B5EF4-FFF2-40B4-BE49-F238E27FC236}">
+                <a16:creationId xmlns:a16="http://schemas.microsoft.com/office/drawing/2014/main" id="{258A64EB-C668-354F-0C2B-068A250FFD61}"/>
+              </a:ext>
+            </a:extLst>
+          </p:cNvPr>
+          <p:cNvPicPr>
+            <a:picLocks noChangeAspect="1"/>
+          </p:cNvPicPr>
+          <p:nvPr/>
+        </p:nvPicPr>
+        <p:blipFill>
+          <a:blip r:embed="rId2"/>
+          <a:stretch>
+            <a:fillRect/>
+          </a:stretch>
+        </p:blipFill>
+        <p:spPr>
+          <a:xfrm>
+            <a:off x="6071659" y="882503"/>
+            <a:ext cx="6120341" cy="4518837"/>
+          </a:xfrm>
+          <a:prstGeom prst="rect">
+            <a:avLst/>
+          </a:prstGeom>
+        </p:spPr>
+      </p:pic>
+      <p:pic>
+        <p:nvPicPr>
+          <p:cNvPr id="9" name="Picture 8" descr="A chart with different colored squares and dots&#10;&#10;AI-generated content may be incorrect.">
+            <a:extLst>
+              <a:ext uri="{FF2B5EF4-FFF2-40B4-BE49-F238E27FC236}">
+                <a16:creationId xmlns:a16="http://schemas.microsoft.com/office/drawing/2014/main" id="{E51CD9D0-BE33-88AE-C61D-F1E38A828AD3}"/>
+              </a:ext>
+            </a:extLst>
+          </p:cNvPr>
+          <p:cNvPicPr>
+            <a:picLocks noChangeAspect="1"/>
+          </p:cNvPicPr>
+          <p:nvPr/>
+        </p:nvPicPr>
+        <p:blipFill>
+          <a:blip r:embed="rId3"/>
+          <a:stretch>
+            <a:fillRect/>
+          </a:stretch>
+        </p:blipFill>
+        <p:spPr>
+          <a:xfrm>
+            <a:off x="16688" y="882503"/>
+            <a:ext cx="6120341" cy="4518837"/>
+          </a:xfrm>
+          <a:prstGeom prst="rect">
+            <a:avLst/>
+          </a:prstGeom>
+        </p:spPr>
+      </p:pic>
+    </p:spTree>
+    <p:extLst>
+      <p:ext uri="{BB962C8B-B14F-4D97-AF65-F5344CB8AC3E}">
+        <p14:creationId xmlns:p14="http://schemas.microsoft.com/office/powerpoint/2010/main" val="4120430783"/>
+      </p:ext>
+    </p:extLst>
+  </p:cSld>
+  <p:clrMapOvr>
+    <a:masterClrMapping/>
+  </p:clrMapOvr>
+</p:sld>
+</file>
+
+<file path=ppt/slides/slide8.xml><?xml version="1.0" encoding="utf-8"?>
+<p:sld xmlns:a="http://schemas.openxmlformats.org/drawingml/2006/main" xmlns:r="http://schemas.openxmlformats.org/officeDocument/2006/relationships" xmlns:p="http://schemas.openxmlformats.org/presentationml/2006/main">
+  <p:cSld>
+    <p:spTree>
+      <p:nvGrpSpPr>
+        <p:cNvPr id="1" name=""/>
+        <p:cNvGrpSpPr/>
+        <p:nvPr/>
+      </p:nvGrpSpPr>
+      <p:grpSpPr>
+        <a:xfrm>
+          <a:off x="0" y="0"/>
+          <a:ext cx="0" cy="0"/>
+          <a:chOff x="0" y="0"/>
+          <a:chExt cx="0" cy="0"/>
+        </a:xfrm>
+      </p:grpSpPr>
+      <p:pic>
+        <p:nvPicPr>
+          <p:cNvPr id="5" name="Picture 4" descr="A chart of different colored squares&#10;&#10;AI-generated content may be incorrect.">
+            <a:extLst>
+              <a:ext uri="{FF2B5EF4-FFF2-40B4-BE49-F238E27FC236}">
+                <a16:creationId xmlns:a16="http://schemas.microsoft.com/office/drawing/2014/main" id="{00A0E802-A69F-90F1-BB73-20C02FE479D3}"/>
+              </a:ext>
+            </a:extLst>
+          </p:cNvPr>
+          <p:cNvPicPr>
+            <a:picLocks noChangeAspect="1"/>
+          </p:cNvPicPr>
+          <p:nvPr/>
+        </p:nvPicPr>
+        <p:blipFill>
+          <a:blip r:embed="rId2"/>
+          <a:stretch>
+            <a:fillRect/>
+          </a:stretch>
+        </p:blipFill>
+        <p:spPr>
+          <a:xfrm>
+            <a:off x="3065621" y="0"/>
+            <a:ext cx="6060758" cy="6858000"/>
+          </a:xfrm>
+          <a:prstGeom prst="rect">
+            <a:avLst/>
+          </a:prstGeom>
+        </p:spPr>
+      </p:pic>
+      <p:sp>
+        <p:nvSpPr>
+          <p:cNvPr id="6" name="TextBox 5">
+            <a:extLst>
+              <a:ext uri="{FF2B5EF4-FFF2-40B4-BE49-F238E27FC236}">
+                <a16:creationId xmlns:a16="http://schemas.microsoft.com/office/drawing/2014/main" id="{5EDCC0E3-7A87-3B52-DE72-C95DC20F967A}"/>
+              </a:ext>
+            </a:extLst>
+          </p:cNvPr>
+          <p:cNvSpPr txBox="1"/>
+          <p:nvPr/>
+        </p:nvSpPr>
+        <p:spPr>
+          <a:xfrm>
+            <a:off x="10069033" y="4008474"/>
+            <a:ext cx="184731" cy="369332"/>
+          </a:xfrm>
+          <a:prstGeom prst="rect">
+            <a:avLst/>
+          </a:prstGeom>
+          <a:noFill/>
+        </p:spPr>
+        <p:txBody>
+          <a:bodyPr wrap="none" rtlCol="0">
+            <a:spAutoFit/>
+          </a:bodyPr>
+          <a:lstStyle/>
+          <a:p>
+            <a:endParaRPr lang="en-US"/>
+          </a:p>
+        </p:txBody>
+      </p:sp>
+    </p:spTree>
+    <p:extLst>
+      <p:ext uri="{BB962C8B-B14F-4D97-AF65-F5344CB8AC3E}">
+        <p14:creationId xmlns:p14="http://schemas.microsoft.com/office/powerpoint/2010/main" val="256028920"/>
+      </p:ext>
+    </p:extLst>
+  </p:cSld>
+  <p:clrMapOvr>
+    <a:masterClrMapping/>
+  </p:clrMapOvr>
+</p:sld>
+</file>
+
+<file path=ppt/slides/slide9.xml><?xml version="1.0" encoding="utf-8"?>
+<p:sld xmlns:a="http://schemas.openxmlformats.org/drawingml/2006/main" xmlns:r="http://schemas.openxmlformats.org/officeDocument/2006/relationships" xmlns:p="http://schemas.openxmlformats.org/presentationml/2006/main">
+  <p:cSld>
+    <p:spTree>
+      <p:nvGrpSpPr>
+        <p:cNvPr id="1" name="">
+          <a:extLst>
+            <a:ext uri="{FF2B5EF4-FFF2-40B4-BE49-F238E27FC236}">
+              <a16:creationId xmlns:a16="http://schemas.microsoft.com/office/drawing/2014/main" id="{AB29008A-F500-86A5-6031-ADC0AB84601B}"/>
+            </a:ext>
+          </a:extLst>
+        </p:cNvPr>
+        <p:cNvGrpSpPr/>
+        <p:nvPr/>
+      </p:nvGrpSpPr>
+      <p:grpSpPr>
+        <a:xfrm>
+          <a:off x="0" y="0"/>
+          <a:ext cx="0" cy="0"/>
+          <a:chOff x="0" y="0"/>
+          <a:chExt cx="0" cy="0"/>
+        </a:xfrm>
+      </p:grpSpPr>
+      <p:sp>
+        <p:nvSpPr>
+          <p:cNvPr id="6" name="TextBox 5">
+            <a:extLst>
+              <a:ext uri="{FF2B5EF4-FFF2-40B4-BE49-F238E27FC236}">
+                <a16:creationId xmlns:a16="http://schemas.microsoft.com/office/drawing/2014/main" id="{045CA47D-0635-8D21-533A-74BAD3D5B3D4}"/>
+              </a:ext>
+            </a:extLst>
+          </p:cNvPr>
+          <p:cNvSpPr txBox="1"/>
+          <p:nvPr/>
+        </p:nvSpPr>
+        <p:spPr>
+          <a:xfrm>
+            <a:off x="10069033" y="4008474"/>
+            <a:ext cx="184731" cy="369332"/>
+          </a:xfrm>
+          <a:prstGeom prst="rect">
+            <a:avLst/>
+          </a:prstGeom>
+          <a:noFill/>
+        </p:spPr>
+        <p:txBody>
+          <a:bodyPr wrap="none" rtlCol="0">
+            <a:spAutoFit/>
+          </a:bodyPr>
+          <a:lstStyle/>
+          <a:p>
+            <a:endParaRPr lang="en-US"/>
+          </a:p>
+        </p:txBody>
+      </p:sp>
+      <p:pic>
+        <p:nvPicPr>
+          <p:cNvPr id="3" name="Picture 2" descr="A screenshot of a graph&#10;&#10;AI-generated content may be incorrect.">
+            <a:extLst>
+              <a:ext uri="{FF2B5EF4-FFF2-40B4-BE49-F238E27FC236}">
+                <a16:creationId xmlns:a16="http://schemas.microsoft.com/office/drawing/2014/main" id="{16A74C48-9112-38A6-EF23-ACE76006B1D9}"/>
+              </a:ext>
+            </a:extLst>
+          </p:cNvPr>
+          <p:cNvPicPr>
+            <a:picLocks noChangeAspect="1"/>
+          </p:cNvPicPr>
+          <p:nvPr/>
+        </p:nvPicPr>
+        <p:blipFill>
+          <a:blip r:embed="rId2"/>
+          <a:stretch>
+            <a:fillRect/>
+          </a:stretch>
+        </p:blipFill>
+        <p:spPr>
+          <a:xfrm>
+            <a:off x="3544102" y="0"/>
+            <a:ext cx="5103796" cy="6858000"/>
+          </a:xfrm>
+          <a:prstGeom prst="rect">
+            <a:avLst/>
+          </a:prstGeom>
+        </p:spPr>
+      </p:pic>
+    </p:spTree>
+    <p:extLst>
+      <p:ext uri="{BB962C8B-B14F-4D97-AF65-F5344CB8AC3E}">
+        <p14:creationId xmlns:p14="http://schemas.microsoft.com/office/powerpoint/2010/main" val="58077934"/>
+      </p:ext>
+    </p:extLst>
   </p:cSld>
   <p:clrMapOvr>
     <a:masterClrMapping/>
